--- a/THE WRITE UP/Final Project-PPT uPDATE.pptx
+++ b/THE WRITE UP/Final Project-PPT uPDATE.pptx
@@ -5,7 +5,7 @@
     <p:sldMasterId id="2147483660" r:id="rId1"/>
   </p:sldMasterIdLst>
   <p:notesMasterIdLst>
-    <p:notesMasterId r:id="rId16"/>
+    <p:notesMasterId r:id="rId18"/>
   </p:notesMasterIdLst>
   <p:sldIdLst>
     <p:sldId id="256" r:id="rId2"/>
@@ -15,13 +15,15 @@
     <p:sldId id="260" r:id="rId6"/>
     <p:sldId id="259" r:id="rId7"/>
     <p:sldId id="264" r:id="rId8"/>
-    <p:sldId id="270" r:id="rId9"/>
-    <p:sldId id="267" r:id="rId10"/>
-    <p:sldId id="268" r:id="rId11"/>
-    <p:sldId id="269" r:id="rId12"/>
-    <p:sldId id="261" r:id="rId13"/>
-    <p:sldId id="265" r:id="rId14"/>
-    <p:sldId id="263" r:id="rId15"/>
+    <p:sldId id="261" r:id="rId9"/>
+    <p:sldId id="270" r:id="rId10"/>
+    <p:sldId id="267" r:id="rId11"/>
+    <p:sldId id="268" r:id="rId12"/>
+    <p:sldId id="269" r:id="rId13"/>
+    <p:sldId id="271" r:id="rId14"/>
+    <p:sldId id="272" r:id="rId15"/>
+    <p:sldId id="265" r:id="rId16"/>
+    <p:sldId id="263" r:id="rId17"/>
   </p:sldIdLst>
   <p:sldSz cx="12192000" cy="6858000"/>
   <p:notesSz cx="6858000" cy="9144000"/>
@@ -3885,7 +3887,7 @@
           <a:p>
             <a:fld id="{17AFD56F-B8AD-44BE-850F-A4452EBD433C}" type="datetimeFigureOut">
               <a:rPr lang="en-US" smtClean="0"/>
-              <a:t>3/7/2024</a:t>
+              <a:t>4/2/2024</a:t>
             </a:fld>
             <a:endParaRPr lang="en-US"/>
           </a:p>
@@ -4390,7 +4392,7 @@
           <a:p>
             <a:fld id="{BD2130E8-2C0C-4EDA-9BF4-A27B0FCACF5C}" type="slidenum">
               <a:rPr lang="en-US" smtClean="0"/>
-              <a:t>9</a:t>
+              <a:t>10</a:t>
             </a:fld>
             <a:endParaRPr lang="en-US"/>
           </a:p>
@@ -4548,7 +4550,7 @@
           <a:p>
             <a:fld id="{A12044EB-1704-4901-BB9D-E1FE7BF0E847}" type="datetimeFigureOut">
               <a:rPr lang="en-US" smtClean="0"/>
-              <a:t>3/7/2024</a:t>
+              <a:t>4/2/2024</a:t>
             </a:fld>
             <a:endParaRPr lang="en-US" dirty="0"/>
           </a:p>
@@ -4759,7 +4761,7 @@
           <a:p>
             <a:fld id="{A12044EB-1704-4901-BB9D-E1FE7BF0E847}" type="datetimeFigureOut">
               <a:rPr lang="en-US" smtClean="0"/>
-              <a:t>3/7/2024</a:t>
+              <a:t>4/2/2024</a:t>
             </a:fld>
             <a:endParaRPr lang="en-US" dirty="0"/>
           </a:p>
@@ -4974,7 +4976,7 @@
           <a:p>
             <a:fld id="{A12044EB-1704-4901-BB9D-E1FE7BF0E847}" type="datetimeFigureOut">
               <a:rPr lang="en-US" smtClean="0"/>
-              <a:t>3/7/2024</a:t>
+              <a:t>4/2/2024</a:t>
             </a:fld>
             <a:endParaRPr lang="en-US" dirty="0"/>
           </a:p>
@@ -5175,7 +5177,7 @@
           <a:p>
             <a:fld id="{A12044EB-1704-4901-BB9D-E1FE7BF0E847}" type="datetimeFigureOut">
               <a:rPr lang="en-US" smtClean="0"/>
-              <a:t>3/7/2024</a:t>
+              <a:t>4/2/2024</a:t>
             </a:fld>
             <a:endParaRPr lang="en-US" dirty="0"/>
           </a:p>
@@ -5454,7 +5456,7 @@
           <a:p>
             <a:fld id="{A12044EB-1704-4901-BB9D-E1FE7BF0E847}" type="datetimeFigureOut">
               <a:rPr lang="en-US" smtClean="0"/>
-              <a:t>3/7/2024</a:t>
+              <a:t>4/2/2024</a:t>
             </a:fld>
             <a:endParaRPr lang="en-US" dirty="0"/>
           </a:p>
@@ -5722,7 +5724,7 @@
           <a:p>
             <a:fld id="{A12044EB-1704-4901-BB9D-E1FE7BF0E847}" type="datetimeFigureOut">
               <a:rPr lang="en-US" smtClean="0"/>
-              <a:t>3/7/2024</a:t>
+              <a:t>4/2/2024</a:t>
             </a:fld>
             <a:endParaRPr lang="en-US" dirty="0"/>
           </a:p>
@@ -6138,7 +6140,7 @@
           <a:p>
             <a:fld id="{A12044EB-1704-4901-BB9D-E1FE7BF0E847}" type="datetimeFigureOut">
               <a:rPr lang="en-US" smtClean="0"/>
-              <a:t>3/7/2024</a:t>
+              <a:t>4/2/2024</a:t>
             </a:fld>
             <a:endParaRPr lang="en-US" dirty="0"/>
           </a:p>
@@ -6287,7 +6289,7 @@
           <a:p>
             <a:fld id="{A12044EB-1704-4901-BB9D-E1FE7BF0E847}" type="datetimeFigureOut">
               <a:rPr lang="en-US" smtClean="0"/>
-              <a:t>3/7/2024</a:t>
+              <a:t>4/2/2024</a:t>
             </a:fld>
             <a:endParaRPr lang="en-US" dirty="0"/>
           </a:p>
@@ -6413,7 +6415,7 @@
           <a:p>
             <a:fld id="{A12044EB-1704-4901-BB9D-E1FE7BF0E847}" type="datetimeFigureOut">
               <a:rPr lang="en-US" smtClean="0"/>
-              <a:t>3/7/2024</a:t>
+              <a:t>4/2/2024</a:t>
             </a:fld>
             <a:endParaRPr lang="en-US" dirty="0"/>
           </a:p>
@@ -6664,7 +6666,7 @@
           <a:p>
             <a:fld id="{A12044EB-1704-4901-BB9D-E1FE7BF0E847}" type="datetimeFigureOut">
               <a:rPr lang="en-US" smtClean="0"/>
-              <a:t>3/7/2024</a:t>
+              <a:t>4/2/2024</a:t>
             </a:fld>
             <a:endParaRPr lang="en-US" dirty="0"/>
           </a:p>
@@ -7109,7 +7111,7 @@
           <a:p>
             <a:fld id="{A12044EB-1704-4901-BB9D-E1FE7BF0E847}" type="datetimeFigureOut">
               <a:rPr lang="en-US" smtClean="0"/>
-              <a:t>3/7/2024</a:t>
+              <a:t>4/2/2024</a:t>
             </a:fld>
             <a:endParaRPr lang="en-US" dirty="0"/>
           </a:p>
@@ -7436,7 +7438,7 @@
           <a:p>
             <a:fld id="{A12044EB-1704-4901-BB9D-E1FE7BF0E847}" type="datetimeFigureOut">
               <a:rPr lang="en-US" smtClean="0"/>
-              <a:t>3/7/2024</a:t>
+              <a:t>4/2/2024</a:t>
             </a:fld>
             <a:endParaRPr lang="en-US" dirty="0"/>
           </a:p>
@@ -8042,13 +8044,13 @@
   <p:clrMapOvr>
     <a:masterClrMapping/>
   </p:clrMapOvr>
-  <mc:AlternateContent xmlns:mc="http://schemas.openxmlformats.org/markup-compatibility/2006">
-    <mc:Choice xmlns:p14="http://schemas.microsoft.com/office/powerpoint/2010/main" Requires="p14">
+  <mc:AlternateContent xmlns:mc="http://schemas.openxmlformats.org/markup-compatibility/2006" xmlns:p14="http://schemas.microsoft.com/office/powerpoint/2010/main">
+    <mc:Choice Requires="p14">
       <p:transition spd="med" p14:dur="700">
         <p:fade/>
       </p:transition>
     </mc:Choice>
-    <mc:Fallback>
+    <mc:Fallback xmlns="">
       <p:transition spd="med">
         <p:fade/>
       </p:transition>
@@ -8058,6 +8060,222 @@
 </file>
 
 <file path=ppt/slides/slide10.xml><?xml version="1.0" encoding="utf-8"?>
+<p:sld xmlns:a="http://schemas.openxmlformats.org/drawingml/2006/main" xmlns:r="http://schemas.openxmlformats.org/officeDocument/2006/relationships" xmlns:p="http://schemas.openxmlformats.org/presentationml/2006/main">
+  <p:cSld>
+    <p:spTree>
+      <p:nvGrpSpPr>
+        <p:cNvPr id="1" name=""/>
+        <p:cNvGrpSpPr/>
+        <p:nvPr/>
+      </p:nvGrpSpPr>
+      <p:grpSpPr>
+        <a:xfrm>
+          <a:off x="0" y="0"/>
+          <a:ext cx="0" cy="0"/>
+          <a:chOff x="0" y="0"/>
+          <a:chExt cx="0" cy="0"/>
+        </a:xfrm>
+      </p:grpSpPr>
+      <p:sp>
+        <p:nvSpPr>
+          <p:cNvPr id="2" name="Title 1">
+            <a:extLst>
+              <a:ext uri="{FF2B5EF4-FFF2-40B4-BE49-F238E27FC236}">
+                <a16:creationId xmlns:a16="http://schemas.microsoft.com/office/drawing/2014/main" id="{6A4F1DD6-AD24-8E4A-794A-EADF0AC1739F}"/>
+              </a:ext>
+            </a:extLst>
+          </p:cNvPr>
+          <p:cNvSpPr>
+            <a:spLocks noGrp="1"/>
+          </p:cNvSpPr>
+          <p:nvPr>
+            <p:ph type="title"/>
+          </p:nvPr>
+        </p:nvSpPr>
+        <p:spPr/>
+        <p:txBody>
+          <a:bodyPr/>
+          <a:lstStyle/>
+          <a:p>
+            <a:pPr algn="ctr"/>
+            <a:r>
+              <a:rPr lang="en-US" dirty="0"/>
+              <a:t>METHODOLOGY</a:t>
+            </a:r>
+          </a:p>
+        </p:txBody>
+      </p:sp>
+      <p:sp>
+        <p:nvSpPr>
+          <p:cNvPr id="3" name="Content Placeholder 2">
+            <a:extLst>
+              <a:ext uri="{FF2B5EF4-FFF2-40B4-BE49-F238E27FC236}">
+                <a16:creationId xmlns:a16="http://schemas.microsoft.com/office/drawing/2014/main" id="{A8E94B92-324B-9AB5-3AA3-7AF8C2E04C8A}"/>
+              </a:ext>
+            </a:extLst>
+          </p:cNvPr>
+          <p:cNvSpPr>
+            <a:spLocks noGrp="1"/>
+          </p:cNvSpPr>
+          <p:nvPr>
+            <p:ph idx="1"/>
+          </p:nvPr>
+        </p:nvSpPr>
+        <p:spPr>
+          <a:xfrm>
+            <a:off x="1451579" y="2015732"/>
+            <a:ext cx="9603275" cy="4146529"/>
+          </a:xfrm>
+        </p:spPr>
+        <p:txBody>
+          <a:bodyPr>
+            <a:normAutofit/>
+          </a:bodyPr>
+          <a:lstStyle/>
+          <a:p>
+            <a:pPr marL="0" indent="0" algn="ctr">
+              <a:buNone/>
+            </a:pPr>
+            <a:r>
+              <a:rPr lang="en-US" sz="2500" b="1" dirty="0"/>
+              <a:t>MODEL DEVELOPMENT (TENSILE PREDICTOR)</a:t>
+            </a:r>
+          </a:p>
+          <a:p>
+            <a:r>
+              <a:rPr lang="en-US" sz="2500" dirty="0"/>
+              <a:t>Creating a PyTorch model to estimate concrete's tensile strength.</a:t>
+            </a:r>
+          </a:p>
+          <a:p>
+            <a:r>
+              <a:rPr lang="en-US" sz="2500" dirty="0"/>
+              <a:t>Adjusting the model’s layers and nodes for accurate predictions.</a:t>
+            </a:r>
+          </a:p>
+          <a:p>
+            <a:pPr marL="0" indent="0">
+              <a:buNone/>
+            </a:pPr>
+            <a:endParaRPr lang="en-US" sz="2500" dirty="0"/>
+          </a:p>
+        </p:txBody>
+      </p:sp>
+      <p:sp>
+        <p:nvSpPr>
+          <p:cNvPr id="4" name="AutoShape 2">
+            <a:extLst>
+              <a:ext uri="{FF2B5EF4-FFF2-40B4-BE49-F238E27FC236}">
+                <a16:creationId xmlns:a16="http://schemas.microsoft.com/office/drawing/2014/main" id="{139895EA-6DEF-A6DE-073B-716E87B896D0}"/>
+              </a:ext>
+            </a:extLst>
+          </p:cNvPr>
+          <p:cNvSpPr>
+            <a:spLocks noChangeAspect="1" noChangeArrowheads="1"/>
+          </p:cNvSpPr>
+          <p:nvPr/>
+        </p:nvSpPr>
+        <p:spPr bwMode="auto">
+          <a:xfrm>
+            <a:off x="5943600" y="3276600"/>
+            <a:ext cx="304800" cy="304800"/>
+          </a:xfrm>
+          <a:prstGeom prst="rect">
+            <a:avLst/>
+          </a:prstGeom>
+          <a:noFill/>
+          <a:extLst>
+            <a:ext uri="{909E8E84-426E-40DD-AFC4-6F175D3DCCD1}">
+              <a14:hiddenFill xmlns:a14="http://schemas.microsoft.com/office/drawing/2010/main">
+                <a:solidFill>
+                  <a:srgbClr val="FFFFFF"/>
+                </a:solidFill>
+              </a14:hiddenFill>
+            </a:ext>
+          </a:extLst>
+        </p:spPr>
+        <p:txBody>
+          <a:bodyPr vert="horz" wrap="square" lIns="91440" tIns="45720" rIns="91440" bIns="45720" numCol="1" anchor="t" anchorCtr="0" compatLnSpc="1">
+            <a:prstTxWarp prst="textNoShape">
+              <a:avLst/>
+            </a:prstTxWarp>
+          </a:bodyPr>
+          <a:lstStyle/>
+          <a:p>
+            <a:endParaRPr lang="en-US"/>
+          </a:p>
+        </p:txBody>
+      </p:sp>
+      <p:pic>
+        <p:nvPicPr>
+          <p:cNvPr id="5" name="Picture 4">
+            <a:extLst>
+              <a:ext uri="{FF2B5EF4-FFF2-40B4-BE49-F238E27FC236}">
+                <a16:creationId xmlns:a16="http://schemas.microsoft.com/office/drawing/2014/main" id="{3E49522C-4985-340D-FB45-89613B3C0D2C}"/>
+              </a:ext>
+            </a:extLst>
+          </p:cNvPr>
+          <p:cNvPicPr>
+            <a:picLocks noChangeAspect="1"/>
+          </p:cNvPicPr>
+          <p:nvPr/>
+        </p:nvPicPr>
+        <p:blipFill>
+          <a:blip r:embed="rId3">
+            <a:alphaModFix amt="73000"/>
+            <a:extLst>
+              <a:ext uri="{BEBA8EAE-BF5A-486C-A8C5-ECC9F3942E4B}">
+                <a14:imgProps xmlns:a14="http://schemas.microsoft.com/office/drawing/2010/main">
+                  <a14:imgLayer r:embed="rId4">
+                    <a14:imgEffect>
+                      <a14:saturation sat="131000"/>
+                    </a14:imgEffect>
+                  </a14:imgLayer>
+                </a14:imgProps>
+              </a:ext>
+            </a:extLst>
+          </a:blip>
+          <a:stretch>
+            <a:fillRect/>
+          </a:stretch>
+        </p:blipFill>
+        <p:spPr>
+          <a:xfrm>
+            <a:off x="2828259" y="3756930"/>
+            <a:ext cx="7272671" cy="2881376"/>
+          </a:xfrm>
+          <a:prstGeom prst="rect">
+            <a:avLst/>
+          </a:prstGeom>
+          <a:noFill/>
+        </p:spPr>
+      </p:pic>
+    </p:spTree>
+    <p:extLst>
+      <p:ext uri="{BB962C8B-B14F-4D97-AF65-F5344CB8AC3E}">
+        <p14:creationId xmlns:p14="http://schemas.microsoft.com/office/powerpoint/2010/main" val="3358362940"/>
+      </p:ext>
+    </p:extLst>
+  </p:cSld>
+  <p:clrMapOvr>
+    <a:masterClrMapping/>
+  </p:clrMapOvr>
+  <mc:AlternateContent xmlns:mc="http://schemas.openxmlformats.org/markup-compatibility/2006" xmlns:p14="http://schemas.microsoft.com/office/powerpoint/2010/main">
+    <mc:Choice Requires="p14">
+      <p:transition spd="med" p14:dur="700">
+        <p:fade/>
+      </p:transition>
+    </mc:Choice>
+    <mc:Fallback xmlns="">
+      <p:transition spd="med">
+        <p:fade/>
+      </p:transition>
+    </mc:Fallback>
+  </mc:AlternateContent>
+</p:sld>
+</file>
+
+<file path=ppt/slides/slide11.xml><?xml version="1.0" encoding="utf-8"?>
 <p:sld xmlns:a="http://schemas.openxmlformats.org/drawingml/2006/main" xmlns:r="http://schemas.openxmlformats.org/officeDocument/2006/relationships" xmlns:p="http://schemas.openxmlformats.org/presentationml/2006/main">
   <p:cSld>
     <p:spTree>
@@ -8131,22 +8349,6 @@
           </a:bodyPr>
           <a:lstStyle/>
           <a:p>
-            <a:pPr marL="0" lvl="0" indent="0" algn="ctr">
-              <a:buNone/>
-            </a:pPr>
-            <a:r>
-              <a:rPr lang="en-US" sz="2500" b="1" dirty="0"/>
-              <a:t>LOSS FUNCTION &amp; MODEL OPTIMIZATION</a:t>
-            </a:r>
-          </a:p>
-          <a:p>
-            <a:r>
-              <a:rPr lang="en-US" sz="2500" dirty="0"/>
-              <a:t>Using a loss function and gradient descent to measure and minimize prediction errors.</a:t>
-            </a:r>
-            <a:endParaRPr lang="en-US" sz="2500" b="1" dirty="0"/>
-          </a:p>
-          <a:p>
             <a:pPr marL="0" indent="0" algn="ctr">
               <a:buNone/>
             </a:pPr>
@@ -8158,11 +8360,49 @@
           <a:p>
             <a:r>
               <a:rPr lang="en-US" sz="2500" dirty="0"/>
-              <a:t>80% of the data is used to teach the model with adjustments for error minimization and a validation set for generalization.</a:t>
-            </a:r>
+              <a:t>We trained our model on 80% of the data using PyTorch, with the Adam optimizer and Mean Squared Error loss function for efficient learning and error minimization. We used 600 epochs.</a:t>
+            </a:r>
+          </a:p>
+          <a:p>
+            <a:endParaRPr lang="en-US" sz="2500" dirty="0"/>
           </a:p>
         </p:txBody>
       </p:sp>
+      <p:pic>
+        <p:nvPicPr>
+          <p:cNvPr id="5" name="Picture 4">
+            <a:extLst>
+              <a:ext uri="{FF2B5EF4-FFF2-40B4-BE49-F238E27FC236}">
+                <a16:creationId xmlns:a16="http://schemas.microsoft.com/office/drawing/2014/main" id="{587750EF-20B5-06DE-F94E-62BFA3748379}"/>
+              </a:ext>
+            </a:extLst>
+          </p:cNvPr>
+          <p:cNvPicPr>
+            <a:picLocks noChangeAspect="1"/>
+          </p:cNvPicPr>
+          <p:nvPr/>
+        </p:nvPicPr>
+        <p:blipFill>
+          <a:blip r:embed="rId2">
+            <a:extLst>
+              <a:ext uri="{28A0092B-C50C-407E-A947-70E740481C1C}">
+                <a14:useLocalDpi xmlns:a14="http://schemas.microsoft.com/office/drawing/2010/main" val="0"/>
+              </a:ext>
+            </a:extLst>
+          </a:blip>
+          <a:srcRect t="3639" b="3639"/>
+          <a:stretch/>
+        </p:blipFill>
+        <p:spPr>
+          <a:xfrm>
+            <a:off x="2057399" y="4192317"/>
+            <a:ext cx="9253332" cy="2603645"/>
+          </a:xfrm>
+          <a:prstGeom prst="rect">
+            <a:avLst/>
+          </a:prstGeom>
+        </p:spPr>
+      </p:pic>
     </p:spTree>
     <p:extLst>
       <p:ext uri="{BB962C8B-B14F-4D97-AF65-F5344CB8AC3E}">
@@ -8173,13 +8413,13 @@
   <p:clrMapOvr>
     <a:masterClrMapping/>
   </p:clrMapOvr>
-  <mc:AlternateContent xmlns:mc="http://schemas.openxmlformats.org/markup-compatibility/2006">
-    <mc:Choice xmlns:p14="http://schemas.microsoft.com/office/powerpoint/2010/main" Requires="p14">
+  <mc:AlternateContent xmlns:mc="http://schemas.openxmlformats.org/markup-compatibility/2006" xmlns:p14="http://schemas.microsoft.com/office/powerpoint/2010/main">
+    <mc:Choice Requires="p14">
       <p:transition spd="med" p14:dur="700">
         <p:fade/>
       </p:transition>
     </mc:Choice>
-    <mc:Fallback>
+    <mc:Fallback xmlns="">
       <p:transition spd="med">
         <p:fade/>
       </p:transition>
@@ -8188,7 +8428,7 @@
 </p:sld>
 </file>
 
-<file path=ppt/slides/slide11.xml><?xml version="1.0" encoding="utf-8"?>
+<file path=ppt/slides/slide12.xml><?xml version="1.0" encoding="utf-8"?>
 <p:sld xmlns:a="http://schemas.openxmlformats.org/drawingml/2006/main" xmlns:r="http://schemas.openxmlformats.org/officeDocument/2006/relationships" xmlns:p="http://schemas.openxmlformats.org/presentationml/2006/main">
   <p:cSld>
     <p:spTree>
@@ -8273,48 +8513,47 @@
           <a:p>
             <a:r>
               <a:rPr lang="en-US" sz="2300" dirty="0"/>
-              <a:t>Post-training, the model is tested on 20% of the data and further evaluated with additional lab samples.</a:t>
+              <a:t>Post-training, we evaluated our model on the remaining 20% of the data, achieving a Mean Squared Error of 31.36%.</a:t>
             </a:r>
             <a:endParaRPr lang="en-US" sz="2300" b="1" dirty="0"/>
-          </a:p>
-          <a:p>
-            <a:pPr marL="0" indent="0" algn="ctr">
-              <a:buNone/>
-            </a:pPr>
-            <a:r>
-              <a:rPr lang="en-US" sz="2300" b="1" dirty="0"/>
-              <a:t>MODEL REFINEMENT &amp; SAVING</a:t>
-            </a:r>
-          </a:p>
-          <a:p>
-            <a:r>
-              <a:rPr lang="en-US" sz="2300" dirty="0"/>
-              <a:t>After testing, the model is refined and optimized, then the best version is saved for future use.</a:t>
-            </a:r>
-          </a:p>
-          <a:p>
-            <a:pPr marL="0" indent="0" algn="ctr">
-              <a:buNone/>
-            </a:pPr>
-            <a:r>
-              <a:rPr lang="en-US" sz="2300" b="1" dirty="0"/>
-              <a:t>DOCUMENTATION &amp; REPORTING</a:t>
-            </a:r>
-          </a:p>
-          <a:p>
-            <a:r>
-              <a:rPr lang="en-US" sz="2300" dirty="0"/>
-              <a:t>All project steps and results will be fully documented.</a:t>
-            </a:r>
-          </a:p>
-          <a:p>
-            <a:r>
-              <a:rPr lang="en-US" sz="2300" dirty="0"/>
-              <a:t>A comprehensive report summarizing the methodologies and findings will be prepared.</a:t>
-            </a:r>
           </a:p>
         </p:txBody>
       </p:sp>
+      <p:pic>
+        <p:nvPicPr>
+          <p:cNvPr id="5" name="Picture 4">
+            <a:extLst>
+              <a:ext uri="{FF2B5EF4-FFF2-40B4-BE49-F238E27FC236}">
+                <a16:creationId xmlns:a16="http://schemas.microsoft.com/office/drawing/2014/main" id="{4ED40367-BCAC-9D39-35FB-C7FE38FE77C2}"/>
+              </a:ext>
+            </a:extLst>
+          </p:cNvPr>
+          <p:cNvPicPr>
+            <a:picLocks noChangeAspect="1"/>
+          </p:cNvPicPr>
+          <p:nvPr/>
+        </p:nvPicPr>
+        <p:blipFill>
+          <a:blip r:embed="rId2">
+            <a:extLst>
+              <a:ext uri="{28A0092B-C50C-407E-A947-70E740481C1C}">
+                <a14:useLocalDpi xmlns:a14="http://schemas.microsoft.com/office/drawing/2010/main" val="0"/>
+              </a:ext>
+            </a:extLst>
+          </a:blip>
+          <a:srcRect/>
+          <a:stretch/>
+        </p:blipFill>
+        <p:spPr>
+          <a:xfrm>
+            <a:off x="1951849" y="4327355"/>
+            <a:ext cx="7447790" cy="2431253"/>
+          </a:xfrm>
+          <a:prstGeom prst="rect">
+            <a:avLst/>
+          </a:prstGeom>
+        </p:spPr>
+      </p:pic>
     </p:spTree>
     <p:extLst>
       <p:ext uri="{BB962C8B-B14F-4D97-AF65-F5344CB8AC3E}">
@@ -8325,13 +8564,13 @@
   <p:clrMapOvr>
     <a:masterClrMapping/>
   </p:clrMapOvr>
-  <mc:AlternateContent xmlns:mc="http://schemas.openxmlformats.org/markup-compatibility/2006">
-    <mc:Choice xmlns:p14="http://schemas.microsoft.com/office/powerpoint/2010/main" Requires="p14">
+  <mc:AlternateContent xmlns:mc="http://schemas.openxmlformats.org/markup-compatibility/2006" xmlns:p14="http://schemas.microsoft.com/office/powerpoint/2010/main">
+    <mc:Choice Requires="p14">
       <p:transition spd="med" p14:dur="700">
         <p:fade/>
       </p:transition>
     </mc:Choice>
-    <mc:Fallback>
+    <mc:Fallback xmlns="">
       <p:transition spd="med">
         <p:fade/>
       </p:transition>
@@ -8340,7 +8579,7 @@
 </p:sld>
 </file>
 
-<file path=ppt/slides/slide12.xml><?xml version="1.0" encoding="utf-8"?>
+<file path=ppt/slides/slide13.xml><?xml version="1.0" encoding="utf-8"?>
 <p:sld xmlns:a="http://schemas.openxmlformats.org/drawingml/2006/main" xmlns:r="http://schemas.openxmlformats.org/officeDocument/2006/relationships" xmlns:p="http://schemas.openxmlformats.org/presentationml/2006/main">
   <p:cSld>
     <p:spTree>
@@ -8357,12 +8596,1711 @@
           <a:chExt cx="0" cy="0"/>
         </a:xfrm>
       </p:grpSpPr>
+      <p:sp>
+        <p:nvSpPr>
+          <p:cNvPr id="2" name="Title 1">
+            <a:extLst>
+              <a:ext uri="{FF2B5EF4-FFF2-40B4-BE49-F238E27FC236}">
+                <a16:creationId xmlns:a16="http://schemas.microsoft.com/office/drawing/2014/main" id="{7CC25FF3-62A8-49A9-FBFB-0C99B9A6EED7}"/>
+              </a:ext>
+            </a:extLst>
+          </p:cNvPr>
+          <p:cNvSpPr>
+            <a:spLocks noGrp="1"/>
+          </p:cNvSpPr>
+          <p:nvPr>
+            <p:ph type="title"/>
+          </p:nvPr>
+        </p:nvSpPr>
+        <p:spPr/>
+        <p:txBody>
+          <a:bodyPr/>
+          <a:lstStyle/>
+          <a:p>
+            <a:pPr algn="ctr"/>
+            <a:r>
+              <a:rPr lang="en-US" dirty="0"/>
+              <a:t>METHODOLOGY</a:t>
+            </a:r>
+            <a:br>
+              <a:rPr lang="en-US" dirty="0"/>
+            </a:br>
+            <a:r>
+              <a:rPr lang="en-US" sz="2800" dirty="0"/>
+              <a:t>PREDICTION</a:t>
+            </a:r>
+            <a:endParaRPr lang="en-US" dirty="0"/>
+          </a:p>
+        </p:txBody>
+      </p:sp>
+      <p:sp>
+        <p:nvSpPr>
+          <p:cNvPr id="3" name="Content Placeholder 2">
+            <a:extLst>
+              <a:ext uri="{FF2B5EF4-FFF2-40B4-BE49-F238E27FC236}">
+                <a16:creationId xmlns:a16="http://schemas.microsoft.com/office/drawing/2014/main" id="{23253B22-8EC3-EA9A-B1E4-14C3B922C03E}"/>
+              </a:ext>
+            </a:extLst>
+          </p:cNvPr>
+          <p:cNvSpPr>
+            <a:spLocks noGrp="1"/>
+          </p:cNvSpPr>
+          <p:nvPr>
+            <p:ph idx="1"/>
+          </p:nvPr>
+        </p:nvSpPr>
+        <p:spPr/>
+        <p:txBody>
+          <a:bodyPr/>
+          <a:lstStyle/>
+          <a:p>
+            <a:r>
+              <a:rPr lang="en-US" dirty="0"/>
+              <a:t>For further validation, we tested our model using 3 additional samples from the lab.</a:t>
+            </a:r>
+          </a:p>
+          <a:p>
+            <a:endParaRPr lang="en-US" dirty="0"/>
+          </a:p>
+        </p:txBody>
+      </p:sp>
+      <p:graphicFrame>
+        <p:nvGraphicFramePr>
+          <p:cNvPr id="4" name="Table 3">
+            <a:extLst>
+              <a:ext uri="{FF2B5EF4-FFF2-40B4-BE49-F238E27FC236}">
+                <a16:creationId xmlns:a16="http://schemas.microsoft.com/office/drawing/2014/main" id="{87937E47-F1A2-8C23-ED46-FDA3382D30B4}"/>
+              </a:ext>
+            </a:extLst>
+          </p:cNvPr>
+          <p:cNvGraphicFramePr>
+            <a:graphicFrameLocks noGrp="1"/>
+          </p:cNvGraphicFramePr>
+          <p:nvPr>
+            <p:extLst>
+              <p:ext uri="{D42A27DB-BD31-4B8C-83A1-F6EECF244321}">
+                <p14:modId xmlns:p14="http://schemas.microsoft.com/office/powerpoint/2010/main" val="1842828500"/>
+              </p:ext>
+            </p:extLst>
+          </p:nvPr>
+        </p:nvGraphicFramePr>
+        <p:xfrm>
+          <a:off x="2287503" y="2742155"/>
+          <a:ext cx="7931425" cy="1997766"/>
+        </p:xfrm>
+        <a:graphic>
+          <a:graphicData uri="http://schemas.openxmlformats.org/drawingml/2006/table">
+            <a:tbl>
+              <a:tblPr firstRow="1" firstCol="1" bandRow="1">
+                <a:tableStyleId>{5C22544A-7EE6-4342-B048-85BDC9FD1C3A}</a:tableStyleId>
+              </a:tblPr>
+              <a:tblGrid>
+                <a:gridCol w="1242392">
+                  <a:extLst>
+                    <a:ext uri="{9D8B030D-6E8A-4147-A177-3AD203B41FA5}">
+                      <a16:colId xmlns:a16="http://schemas.microsoft.com/office/drawing/2014/main" val="3503930116"/>
+                    </a:ext>
+                  </a:extLst>
+                </a:gridCol>
+                <a:gridCol w="2415208">
+                  <a:extLst>
+                    <a:ext uri="{9D8B030D-6E8A-4147-A177-3AD203B41FA5}">
+                      <a16:colId xmlns:a16="http://schemas.microsoft.com/office/drawing/2014/main" val="3813324271"/>
+                    </a:ext>
+                  </a:extLst>
+                </a:gridCol>
+                <a:gridCol w="2445026">
+                  <a:extLst>
+                    <a:ext uri="{9D8B030D-6E8A-4147-A177-3AD203B41FA5}">
+                      <a16:colId xmlns:a16="http://schemas.microsoft.com/office/drawing/2014/main" val="4176762673"/>
+                    </a:ext>
+                  </a:extLst>
+                </a:gridCol>
+                <a:gridCol w="1828799">
+                  <a:extLst>
+                    <a:ext uri="{9D8B030D-6E8A-4147-A177-3AD203B41FA5}">
+                      <a16:colId xmlns:a16="http://schemas.microsoft.com/office/drawing/2014/main" val="521807554"/>
+                    </a:ext>
+                  </a:extLst>
+                </a:gridCol>
+              </a:tblGrid>
+              <a:tr h="1015515">
+                <a:tc>
+                  <a:txBody>
+                    <a:bodyPr/>
+                    <a:lstStyle/>
+                    <a:p>
+                      <a:pPr marL="0" marR="0">
+                        <a:lnSpc>
+                          <a:spcPct val="107000"/>
+                        </a:lnSpc>
+                        <a:spcBef>
+                          <a:spcPts val="0"/>
+                        </a:spcBef>
+                        <a:spcAft>
+                          <a:spcPts val="800"/>
+                        </a:spcAft>
+                      </a:pPr>
+                      <a:r>
+                        <a:rPr lang="en-US" sz="1200" kern="100">
+                          <a:effectLst/>
+                        </a:rPr>
+                        <a:t>Sample</a:t>
+                      </a:r>
+                      <a:endParaRPr lang="en-US" sz="1100" kern="100">
+                        <a:effectLst/>
+                        <a:latin typeface="Calibri" panose="020F0502020204030204" pitchFamily="34" charset="0"/>
+                        <a:ea typeface="Calibri" panose="020F0502020204030204" pitchFamily="34" charset="0"/>
+                        <a:cs typeface="Times New Roman" panose="02020603050405020304" pitchFamily="18" charset="0"/>
+                      </a:endParaRPr>
+                    </a:p>
+                  </a:txBody>
+                  <a:tcPr marL="68580" marR="68580" marT="0" marB="0"/>
+                </a:tc>
+                <a:tc>
+                  <a:txBody>
+                    <a:bodyPr/>
+                    <a:lstStyle/>
+                    <a:p>
+                      <a:pPr marL="0" marR="0">
+                        <a:lnSpc>
+                          <a:spcPct val="107000"/>
+                        </a:lnSpc>
+                        <a:spcBef>
+                          <a:spcPts val="0"/>
+                        </a:spcBef>
+                        <a:spcAft>
+                          <a:spcPts val="0"/>
+                        </a:spcAft>
+                      </a:pPr>
+                      <a:r>
+                        <a:rPr lang="en-US" sz="1200" kern="100" dirty="0">
+                          <a:effectLst/>
+                        </a:rPr>
+                        <a:t>Actual Tensile Strength (MPa)</a:t>
+                      </a:r>
+                      <a:endParaRPr lang="en-US" sz="1100" kern="100" dirty="0">
+                        <a:effectLst/>
+                        <a:latin typeface="Calibri" panose="020F0502020204030204" pitchFamily="34" charset="0"/>
+                        <a:ea typeface="Calibri" panose="020F0502020204030204" pitchFamily="34" charset="0"/>
+                        <a:cs typeface="Times New Roman" panose="02020603050405020304" pitchFamily="18" charset="0"/>
+                      </a:endParaRPr>
+                    </a:p>
+                  </a:txBody>
+                  <a:tcPr marL="68580" marR="68580" marT="0" marB="0"/>
+                </a:tc>
+                <a:tc>
+                  <a:txBody>
+                    <a:bodyPr/>
+                    <a:lstStyle/>
+                    <a:p>
+                      <a:pPr marL="0" marR="0">
+                        <a:lnSpc>
+                          <a:spcPct val="107000"/>
+                        </a:lnSpc>
+                        <a:spcBef>
+                          <a:spcPts val="0"/>
+                        </a:spcBef>
+                        <a:spcAft>
+                          <a:spcPts val="0"/>
+                        </a:spcAft>
+                      </a:pPr>
+                      <a:r>
+                        <a:rPr lang="en-US" sz="1200" kern="100" dirty="0">
+                          <a:effectLst/>
+                        </a:rPr>
+                        <a:t>Predicted Tensile Strength (MPa)</a:t>
+                      </a:r>
+                      <a:endParaRPr lang="en-US" sz="1100" kern="100" dirty="0">
+                        <a:effectLst/>
+                        <a:latin typeface="Calibri" panose="020F0502020204030204" pitchFamily="34" charset="0"/>
+                        <a:ea typeface="Calibri" panose="020F0502020204030204" pitchFamily="34" charset="0"/>
+                        <a:cs typeface="Times New Roman" panose="02020603050405020304" pitchFamily="18" charset="0"/>
+                      </a:endParaRPr>
+                    </a:p>
+                  </a:txBody>
+                  <a:tcPr marL="68580" marR="68580" marT="0" marB="0"/>
+                </a:tc>
+                <a:tc>
+                  <a:txBody>
+                    <a:bodyPr/>
+                    <a:lstStyle/>
+                    <a:p>
+                      <a:pPr marL="0" marR="0">
+                        <a:lnSpc>
+                          <a:spcPct val="107000"/>
+                        </a:lnSpc>
+                        <a:spcBef>
+                          <a:spcPts val="0"/>
+                        </a:spcBef>
+                        <a:spcAft>
+                          <a:spcPts val="0"/>
+                        </a:spcAft>
+                      </a:pPr>
+                      <a:r>
+                        <a:rPr lang="en-US" sz="1200" kern="100">
+                          <a:effectLst/>
+                        </a:rPr>
+                        <a:t>Percentage Accuracy (%)</a:t>
+                      </a:r>
+                      <a:endParaRPr lang="en-US" sz="1100" kern="100">
+                        <a:effectLst/>
+                        <a:latin typeface="Calibri" panose="020F0502020204030204" pitchFamily="34" charset="0"/>
+                        <a:ea typeface="Calibri" panose="020F0502020204030204" pitchFamily="34" charset="0"/>
+                        <a:cs typeface="Times New Roman" panose="02020603050405020304" pitchFamily="18" charset="0"/>
+                      </a:endParaRPr>
+                    </a:p>
+                  </a:txBody>
+                  <a:tcPr marL="68580" marR="68580" marT="0" marB="0"/>
+                </a:tc>
+                <a:extLst>
+                  <a:ext uri="{0D108BD9-81ED-4DB2-BD59-A6C34878D82A}">
+                    <a16:rowId xmlns:a16="http://schemas.microsoft.com/office/drawing/2014/main" val="3450803470"/>
+                  </a:ext>
+                </a:extLst>
+              </a:tr>
+              <a:tr h="327417">
+                <a:tc>
+                  <a:txBody>
+                    <a:bodyPr/>
+                    <a:lstStyle/>
+                    <a:p>
+                      <a:pPr marL="0" marR="0">
+                        <a:lnSpc>
+                          <a:spcPct val="107000"/>
+                        </a:lnSpc>
+                        <a:spcBef>
+                          <a:spcPts val="0"/>
+                        </a:spcBef>
+                        <a:spcAft>
+                          <a:spcPts val="0"/>
+                        </a:spcAft>
+                      </a:pPr>
+                      <a:r>
+                        <a:rPr lang="en-US" sz="1200" kern="100">
+                          <a:effectLst/>
+                        </a:rPr>
+                        <a:t>1</a:t>
+                      </a:r>
+                      <a:endParaRPr lang="en-US" sz="1100" kern="100">
+                        <a:effectLst/>
+                        <a:latin typeface="Calibri" panose="020F0502020204030204" pitchFamily="34" charset="0"/>
+                        <a:ea typeface="Calibri" panose="020F0502020204030204" pitchFamily="34" charset="0"/>
+                        <a:cs typeface="Times New Roman" panose="02020603050405020304" pitchFamily="18" charset="0"/>
+                      </a:endParaRPr>
+                    </a:p>
+                  </a:txBody>
+                  <a:tcPr marL="68580" marR="68580" marT="0" marB="0"/>
+                </a:tc>
+                <a:tc>
+                  <a:txBody>
+                    <a:bodyPr/>
+                    <a:lstStyle/>
+                    <a:p>
+                      <a:pPr marL="0" marR="0">
+                        <a:lnSpc>
+                          <a:spcPct val="107000"/>
+                        </a:lnSpc>
+                        <a:spcBef>
+                          <a:spcPts val="0"/>
+                        </a:spcBef>
+                        <a:spcAft>
+                          <a:spcPts val="0"/>
+                        </a:spcAft>
+                      </a:pPr>
+                      <a:r>
+                        <a:rPr lang="en-US" sz="1200" kern="100">
+                          <a:effectLst/>
+                        </a:rPr>
+                        <a:t>2.047115</a:t>
+                      </a:r>
+                      <a:endParaRPr lang="en-US" sz="1100" kern="100">
+                        <a:effectLst/>
+                        <a:latin typeface="Calibri" panose="020F0502020204030204" pitchFamily="34" charset="0"/>
+                        <a:ea typeface="Calibri" panose="020F0502020204030204" pitchFamily="34" charset="0"/>
+                        <a:cs typeface="Times New Roman" panose="02020603050405020304" pitchFamily="18" charset="0"/>
+                      </a:endParaRPr>
+                    </a:p>
+                  </a:txBody>
+                  <a:tcPr marL="68580" marR="68580" marT="0" marB="0"/>
+                </a:tc>
+                <a:tc>
+                  <a:txBody>
+                    <a:bodyPr/>
+                    <a:lstStyle/>
+                    <a:p>
+                      <a:pPr marL="0" marR="0">
+                        <a:lnSpc>
+                          <a:spcPct val="107000"/>
+                        </a:lnSpc>
+                        <a:spcBef>
+                          <a:spcPts val="0"/>
+                        </a:spcBef>
+                        <a:spcAft>
+                          <a:spcPts val="0"/>
+                        </a:spcAft>
+                      </a:pPr>
+                      <a:r>
+                        <a:rPr lang="en-US" sz="1200" kern="100">
+                          <a:effectLst/>
+                        </a:rPr>
+                        <a:t>2.04123</a:t>
+                      </a:r>
+                      <a:endParaRPr lang="en-US" sz="1100" kern="100">
+                        <a:effectLst/>
+                        <a:latin typeface="Calibri" panose="020F0502020204030204" pitchFamily="34" charset="0"/>
+                        <a:ea typeface="Calibri" panose="020F0502020204030204" pitchFamily="34" charset="0"/>
+                        <a:cs typeface="Times New Roman" panose="02020603050405020304" pitchFamily="18" charset="0"/>
+                      </a:endParaRPr>
+                    </a:p>
+                  </a:txBody>
+                  <a:tcPr marL="68580" marR="68580" marT="0" marB="0"/>
+                </a:tc>
+                <a:tc>
+                  <a:txBody>
+                    <a:bodyPr/>
+                    <a:lstStyle/>
+                    <a:p>
+                      <a:pPr marL="0" marR="0">
+                        <a:lnSpc>
+                          <a:spcPct val="107000"/>
+                        </a:lnSpc>
+                        <a:spcBef>
+                          <a:spcPts val="0"/>
+                        </a:spcBef>
+                        <a:spcAft>
+                          <a:spcPts val="0"/>
+                        </a:spcAft>
+                      </a:pPr>
+                      <a:r>
+                        <a:rPr lang="en-US" sz="1200" kern="100">
+                          <a:effectLst/>
+                        </a:rPr>
+                        <a:t>99.71</a:t>
+                      </a:r>
+                      <a:endParaRPr lang="en-US" sz="1100" kern="100">
+                        <a:effectLst/>
+                        <a:latin typeface="Calibri" panose="020F0502020204030204" pitchFamily="34" charset="0"/>
+                        <a:ea typeface="Calibri" panose="020F0502020204030204" pitchFamily="34" charset="0"/>
+                        <a:cs typeface="Times New Roman" panose="02020603050405020304" pitchFamily="18" charset="0"/>
+                      </a:endParaRPr>
+                    </a:p>
+                  </a:txBody>
+                  <a:tcPr marL="68580" marR="68580" marT="0" marB="0"/>
+                </a:tc>
+                <a:extLst>
+                  <a:ext uri="{0D108BD9-81ED-4DB2-BD59-A6C34878D82A}">
+                    <a16:rowId xmlns:a16="http://schemas.microsoft.com/office/drawing/2014/main" val="930926944"/>
+                  </a:ext>
+                </a:extLst>
+              </a:tr>
+              <a:tr h="327417">
+                <a:tc>
+                  <a:txBody>
+                    <a:bodyPr/>
+                    <a:lstStyle/>
+                    <a:p>
+                      <a:pPr marL="0" marR="0">
+                        <a:lnSpc>
+                          <a:spcPct val="107000"/>
+                        </a:lnSpc>
+                        <a:spcBef>
+                          <a:spcPts val="0"/>
+                        </a:spcBef>
+                        <a:spcAft>
+                          <a:spcPts val="0"/>
+                        </a:spcAft>
+                      </a:pPr>
+                      <a:r>
+                        <a:rPr lang="en-US" sz="1200" kern="100">
+                          <a:effectLst/>
+                        </a:rPr>
+                        <a:t>2</a:t>
+                      </a:r>
+                      <a:endParaRPr lang="en-US" sz="1100" kern="100">
+                        <a:effectLst/>
+                        <a:latin typeface="Calibri" panose="020F0502020204030204" pitchFamily="34" charset="0"/>
+                        <a:ea typeface="Calibri" panose="020F0502020204030204" pitchFamily="34" charset="0"/>
+                        <a:cs typeface="Times New Roman" panose="02020603050405020304" pitchFamily="18" charset="0"/>
+                      </a:endParaRPr>
+                    </a:p>
+                  </a:txBody>
+                  <a:tcPr marL="68580" marR="68580" marT="0" marB="0"/>
+                </a:tc>
+                <a:tc>
+                  <a:txBody>
+                    <a:bodyPr/>
+                    <a:lstStyle/>
+                    <a:p>
+                      <a:pPr marL="0" marR="0">
+                        <a:lnSpc>
+                          <a:spcPct val="107000"/>
+                        </a:lnSpc>
+                        <a:spcBef>
+                          <a:spcPts val="0"/>
+                        </a:spcBef>
+                        <a:spcAft>
+                          <a:spcPts val="0"/>
+                        </a:spcAft>
+                      </a:pPr>
+                      <a:r>
+                        <a:rPr lang="en-US" sz="1200" kern="100">
+                          <a:effectLst/>
+                        </a:rPr>
+                        <a:t>3.013026</a:t>
+                      </a:r>
+                      <a:endParaRPr lang="en-US" sz="1100" kern="100">
+                        <a:effectLst/>
+                        <a:latin typeface="Calibri" panose="020F0502020204030204" pitchFamily="34" charset="0"/>
+                        <a:ea typeface="Calibri" panose="020F0502020204030204" pitchFamily="34" charset="0"/>
+                        <a:cs typeface="Times New Roman" panose="02020603050405020304" pitchFamily="18" charset="0"/>
+                      </a:endParaRPr>
+                    </a:p>
+                  </a:txBody>
+                  <a:tcPr marL="68580" marR="68580" marT="0" marB="0"/>
+                </a:tc>
+                <a:tc>
+                  <a:txBody>
+                    <a:bodyPr/>
+                    <a:lstStyle/>
+                    <a:p>
+                      <a:pPr marL="0" marR="0">
+                        <a:lnSpc>
+                          <a:spcPct val="107000"/>
+                        </a:lnSpc>
+                        <a:spcBef>
+                          <a:spcPts val="0"/>
+                        </a:spcBef>
+                        <a:spcAft>
+                          <a:spcPts val="0"/>
+                        </a:spcAft>
+                      </a:pPr>
+                      <a:r>
+                        <a:rPr lang="en-US" sz="1200" kern="100">
+                          <a:effectLst/>
+                        </a:rPr>
+                        <a:t>1.61632</a:t>
+                      </a:r>
+                      <a:endParaRPr lang="en-US" sz="1100" kern="100">
+                        <a:effectLst/>
+                        <a:latin typeface="Calibri" panose="020F0502020204030204" pitchFamily="34" charset="0"/>
+                        <a:ea typeface="Calibri" panose="020F0502020204030204" pitchFamily="34" charset="0"/>
+                        <a:cs typeface="Times New Roman" panose="02020603050405020304" pitchFamily="18" charset="0"/>
+                      </a:endParaRPr>
+                    </a:p>
+                  </a:txBody>
+                  <a:tcPr marL="68580" marR="68580" marT="0" marB="0"/>
+                </a:tc>
+                <a:tc>
+                  <a:txBody>
+                    <a:bodyPr/>
+                    <a:lstStyle/>
+                    <a:p>
+                      <a:pPr marL="0" marR="0">
+                        <a:lnSpc>
+                          <a:spcPct val="107000"/>
+                        </a:lnSpc>
+                        <a:spcBef>
+                          <a:spcPts val="0"/>
+                        </a:spcBef>
+                        <a:spcAft>
+                          <a:spcPts val="0"/>
+                        </a:spcAft>
+                      </a:pPr>
+                      <a:r>
+                        <a:rPr lang="en-US" sz="1200" kern="100">
+                          <a:effectLst/>
+                        </a:rPr>
+                        <a:t>46.34</a:t>
+                      </a:r>
+                      <a:endParaRPr lang="en-US" sz="1100" kern="100">
+                        <a:effectLst/>
+                        <a:latin typeface="Calibri" panose="020F0502020204030204" pitchFamily="34" charset="0"/>
+                        <a:ea typeface="Calibri" panose="020F0502020204030204" pitchFamily="34" charset="0"/>
+                        <a:cs typeface="Times New Roman" panose="02020603050405020304" pitchFamily="18" charset="0"/>
+                      </a:endParaRPr>
+                    </a:p>
+                  </a:txBody>
+                  <a:tcPr marL="68580" marR="68580" marT="0" marB="0"/>
+                </a:tc>
+                <a:extLst>
+                  <a:ext uri="{0D108BD9-81ED-4DB2-BD59-A6C34878D82A}">
+                    <a16:rowId xmlns:a16="http://schemas.microsoft.com/office/drawing/2014/main" val="1230666440"/>
+                  </a:ext>
+                </a:extLst>
+              </a:tr>
+              <a:tr h="327417">
+                <a:tc>
+                  <a:txBody>
+                    <a:bodyPr/>
+                    <a:lstStyle/>
+                    <a:p>
+                      <a:pPr marL="0" marR="0">
+                        <a:lnSpc>
+                          <a:spcPct val="107000"/>
+                        </a:lnSpc>
+                        <a:spcBef>
+                          <a:spcPts val="0"/>
+                        </a:spcBef>
+                        <a:spcAft>
+                          <a:spcPts val="0"/>
+                        </a:spcAft>
+                      </a:pPr>
+                      <a:r>
+                        <a:rPr lang="en-US" sz="1200" kern="100">
+                          <a:effectLst/>
+                        </a:rPr>
+                        <a:t>3</a:t>
+                      </a:r>
+                      <a:endParaRPr lang="en-US" sz="1100" kern="100">
+                        <a:effectLst/>
+                        <a:latin typeface="Calibri" panose="020F0502020204030204" pitchFamily="34" charset="0"/>
+                        <a:ea typeface="Calibri" panose="020F0502020204030204" pitchFamily="34" charset="0"/>
+                        <a:cs typeface="Times New Roman" panose="02020603050405020304" pitchFamily="18" charset="0"/>
+                      </a:endParaRPr>
+                    </a:p>
+                  </a:txBody>
+                  <a:tcPr marL="68580" marR="68580" marT="0" marB="0"/>
+                </a:tc>
+                <a:tc>
+                  <a:txBody>
+                    <a:bodyPr/>
+                    <a:lstStyle/>
+                    <a:p>
+                      <a:pPr marL="0" marR="0">
+                        <a:lnSpc>
+                          <a:spcPct val="107000"/>
+                        </a:lnSpc>
+                        <a:spcBef>
+                          <a:spcPts val="0"/>
+                        </a:spcBef>
+                        <a:spcAft>
+                          <a:spcPts val="0"/>
+                        </a:spcAft>
+                      </a:pPr>
+                      <a:r>
+                        <a:rPr lang="en-US" sz="1200" kern="100">
+                          <a:effectLst/>
+                        </a:rPr>
+                        <a:t>2.21254</a:t>
+                      </a:r>
+                      <a:endParaRPr lang="en-US" sz="1100" kern="100">
+                        <a:effectLst/>
+                        <a:latin typeface="Calibri" panose="020F0502020204030204" pitchFamily="34" charset="0"/>
+                        <a:ea typeface="Calibri" panose="020F0502020204030204" pitchFamily="34" charset="0"/>
+                        <a:cs typeface="Times New Roman" panose="02020603050405020304" pitchFamily="18" charset="0"/>
+                      </a:endParaRPr>
+                    </a:p>
+                  </a:txBody>
+                  <a:tcPr marL="68580" marR="68580" marT="0" marB="0"/>
+                </a:tc>
+                <a:tc>
+                  <a:txBody>
+                    <a:bodyPr/>
+                    <a:lstStyle/>
+                    <a:p>
+                      <a:pPr marL="0" marR="0">
+                        <a:lnSpc>
+                          <a:spcPct val="107000"/>
+                        </a:lnSpc>
+                        <a:spcBef>
+                          <a:spcPts val="0"/>
+                        </a:spcBef>
+                        <a:spcAft>
+                          <a:spcPts val="0"/>
+                        </a:spcAft>
+                      </a:pPr>
+                      <a:r>
+                        <a:rPr lang="en-US" sz="1200" kern="100">
+                          <a:effectLst/>
+                        </a:rPr>
+                        <a:t>1.72041</a:t>
+                      </a:r>
+                      <a:endParaRPr lang="en-US" sz="1100" kern="100">
+                        <a:effectLst/>
+                        <a:latin typeface="Calibri" panose="020F0502020204030204" pitchFamily="34" charset="0"/>
+                        <a:ea typeface="Calibri" panose="020F0502020204030204" pitchFamily="34" charset="0"/>
+                        <a:cs typeface="Times New Roman" panose="02020603050405020304" pitchFamily="18" charset="0"/>
+                      </a:endParaRPr>
+                    </a:p>
+                  </a:txBody>
+                  <a:tcPr marL="68580" marR="68580" marT="0" marB="0"/>
+                </a:tc>
+                <a:tc>
+                  <a:txBody>
+                    <a:bodyPr/>
+                    <a:lstStyle/>
+                    <a:p>
+                      <a:pPr marL="0" marR="0">
+                        <a:lnSpc>
+                          <a:spcPct val="107000"/>
+                        </a:lnSpc>
+                        <a:spcBef>
+                          <a:spcPts val="0"/>
+                        </a:spcBef>
+                        <a:spcAft>
+                          <a:spcPts val="0"/>
+                        </a:spcAft>
+                      </a:pPr>
+                      <a:r>
+                        <a:rPr lang="en-US" sz="1200" kern="100" dirty="0">
+                          <a:effectLst/>
+                        </a:rPr>
+                        <a:t>77.76</a:t>
+                      </a:r>
+                      <a:endParaRPr lang="en-US" sz="1100" kern="100" dirty="0">
+                        <a:effectLst/>
+                        <a:latin typeface="Calibri" panose="020F0502020204030204" pitchFamily="34" charset="0"/>
+                        <a:ea typeface="Calibri" panose="020F0502020204030204" pitchFamily="34" charset="0"/>
+                        <a:cs typeface="Times New Roman" panose="02020603050405020304" pitchFamily="18" charset="0"/>
+                      </a:endParaRPr>
+                    </a:p>
+                  </a:txBody>
+                  <a:tcPr marL="68580" marR="68580" marT="0" marB="0"/>
+                </a:tc>
+                <a:extLst>
+                  <a:ext uri="{0D108BD9-81ED-4DB2-BD59-A6C34878D82A}">
+                    <a16:rowId xmlns:a16="http://schemas.microsoft.com/office/drawing/2014/main" val="3584623282"/>
+                  </a:ext>
+                </a:extLst>
+              </a:tr>
+            </a:tbl>
+          </a:graphicData>
+        </a:graphic>
+      </p:graphicFrame>
+    </p:spTree>
+    <p:extLst>
+      <p:ext uri="{BB962C8B-B14F-4D97-AF65-F5344CB8AC3E}">
+        <p14:creationId xmlns:p14="http://schemas.microsoft.com/office/powerpoint/2010/main" val="1762174970"/>
+      </p:ext>
+    </p:extLst>
+  </p:cSld>
+  <p:clrMapOvr>
+    <a:masterClrMapping/>
+  </p:clrMapOvr>
+</p:sld>
+</file>
+
+<file path=ppt/slides/slide14.xml><?xml version="1.0" encoding="utf-8"?>
+<p:sld xmlns:a="http://schemas.openxmlformats.org/drawingml/2006/main" xmlns:r="http://schemas.openxmlformats.org/officeDocument/2006/relationships" xmlns:p="http://schemas.openxmlformats.org/presentationml/2006/main">
+  <p:cSld>
+    <p:spTree>
+      <p:nvGrpSpPr>
+        <p:cNvPr id="1" name=""/>
+        <p:cNvGrpSpPr/>
+        <p:nvPr/>
+      </p:nvGrpSpPr>
+      <p:grpSpPr>
+        <a:xfrm>
+          <a:off x="0" y="0"/>
+          <a:ext cx="0" cy="0"/>
+          <a:chOff x="0" y="0"/>
+          <a:chExt cx="0" cy="0"/>
+        </a:xfrm>
+      </p:grpSpPr>
+      <p:sp>
+        <p:nvSpPr>
+          <p:cNvPr id="2" name="Title 1">
+            <a:extLst>
+              <a:ext uri="{FF2B5EF4-FFF2-40B4-BE49-F238E27FC236}">
+                <a16:creationId xmlns:a16="http://schemas.microsoft.com/office/drawing/2014/main" id="{68421BA4-4514-2E4E-2C9C-8430DD974F1B}"/>
+              </a:ext>
+            </a:extLst>
+          </p:cNvPr>
+          <p:cNvSpPr>
+            <a:spLocks noGrp="1"/>
+          </p:cNvSpPr>
+          <p:nvPr>
+            <p:ph type="title"/>
+          </p:nvPr>
+        </p:nvSpPr>
+        <p:spPr/>
+        <p:txBody>
+          <a:bodyPr/>
+          <a:lstStyle/>
+          <a:p>
+            <a:pPr algn="ctr"/>
+            <a:r>
+              <a:rPr lang="en-US" dirty="0"/>
+              <a:t>METHODOLOGY</a:t>
+            </a:r>
+          </a:p>
+        </p:txBody>
+      </p:sp>
+      <p:pic>
+        <p:nvPicPr>
+          <p:cNvPr id="5" name="Content Placeholder 4">
+            <a:extLst>
+              <a:ext uri="{FF2B5EF4-FFF2-40B4-BE49-F238E27FC236}">
+                <a16:creationId xmlns:a16="http://schemas.microsoft.com/office/drawing/2014/main" id="{1E2BCC01-0DF0-AFE1-D244-FC7B9EAAAA2F}"/>
+              </a:ext>
+            </a:extLst>
+          </p:cNvPr>
+          <p:cNvPicPr>
+            <a:picLocks noGrp="1" noChangeAspect="1"/>
+          </p:cNvPicPr>
+          <p:nvPr>
+            <p:ph idx="1"/>
+          </p:nvPr>
+        </p:nvPicPr>
+        <p:blipFill rotWithShape="1">
+          <a:blip r:embed="rId2">
+            <a:extLst>
+              <a:ext uri="{28A0092B-C50C-407E-A947-70E740481C1C}">
+                <a14:useLocalDpi xmlns:a14="http://schemas.microsoft.com/office/drawing/2010/main" val="0"/>
+              </a:ext>
+            </a:extLst>
+          </a:blip>
+          <a:srcRect b="39450"/>
+          <a:stretch/>
+        </p:blipFill>
+        <p:spPr>
+          <a:xfrm>
+            <a:off x="6096000" y="1936405"/>
+            <a:ext cx="4862022" cy="3067842"/>
+          </a:xfrm>
+        </p:spPr>
+      </p:pic>
+      <p:pic>
+        <p:nvPicPr>
+          <p:cNvPr id="7" name="Picture 6">
+            <a:extLst>
+              <a:ext uri="{FF2B5EF4-FFF2-40B4-BE49-F238E27FC236}">
+                <a16:creationId xmlns:a16="http://schemas.microsoft.com/office/drawing/2014/main" id="{3FB0FF78-1C92-3605-5FEA-7D65CBA2450E}"/>
+              </a:ext>
+            </a:extLst>
+          </p:cNvPr>
+          <p:cNvPicPr>
+            <a:picLocks noChangeAspect="1"/>
+          </p:cNvPicPr>
+          <p:nvPr/>
+        </p:nvPicPr>
+        <p:blipFill rotWithShape="1">
+          <a:blip r:embed="rId3">
+            <a:extLst>
+              <a:ext uri="{28A0092B-C50C-407E-A947-70E740481C1C}">
+                <a14:useLocalDpi xmlns:a14="http://schemas.microsoft.com/office/drawing/2010/main" val="0"/>
+              </a:ext>
+            </a:extLst>
+          </a:blip>
+          <a:srcRect l="7891" t="2695" r="6754" b="37344"/>
+          <a:stretch/>
+        </p:blipFill>
+        <p:spPr>
+          <a:xfrm>
+            <a:off x="954155" y="1936405"/>
+            <a:ext cx="4721087" cy="3225145"/>
+          </a:xfrm>
+          <a:prstGeom prst="rect">
+            <a:avLst/>
+          </a:prstGeom>
+        </p:spPr>
+      </p:pic>
+    </p:spTree>
+    <p:extLst>
+      <p:ext uri="{BB962C8B-B14F-4D97-AF65-F5344CB8AC3E}">
+        <p14:creationId xmlns:p14="http://schemas.microsoft.com/office/powerpoint/2010/main" val="977580162"/>
+      </p:ext>
+    </p:extLst>
+  </p:cSld>
+  <p:clrMapOvr>
+    <a:masterClrMapping/>
+  </p:clrMapOvr>
+</p:sld>
+</file>
+
+<file path=ppt/slides/slide15.xml><?xml version="1.0" encoding="utf-8"?>
+<p:sld xmlns:a="http://schemas.openxmlformats.org/drawingml/2006/main" xmlns:r="http://schemas.openxmlformats.org/officeDocument/2006/relationships" xmlns:p="http://schemas.openxmlformats.org/presentationml/2006/main">
+  <p:cSld>
+    <p:spTree>
+      <p:nvGrpSpPr>
+        <p:cNvPr id="1" name=""/>
+        <p:cNvGrpSpPr/>
+        <p:nvPr/>
+      </p:nvGrpSpPr>
+      <p:grpSpPr>
+        <a:xfrm>
+          <a:off x="0" y="0"/>
+          <a:ext cx="0" cy="0"/>
+          <a:chOff x="0" y="0"/>
+          <a:chExt cx="0" cy="0"/>
+        </a:xfrm>
+      </p:grpSpPr>
+      <p:sp>
+        <p:nvSpPr>
+          <p:cNvPr id="2" name="Title 1"/>
+          <p:cNvSpPr>
+            <a:spLocks noGrp="1"/>
+          </p:cNvSpPr>
+          <p:nvPr>
+            <p:ph type="title"/>
+          </p:nvPr>
+        </p:nvSpPr>
+        <p:spPr/>
+        <p:txBody>
+          <a:bodyPr/>
+          <a:lstStyle/>
+          <a:p>
+            <a:pPr algn="ctr"/>
+            <a:r>
+              <a:rPr lang="en-US" dirty="0"/>
+              <a:t>Expected Outcome</a:t>
+            </a:r>
+          </a:p>
+        </p:txBody>
+      </p:sp>
+      <p:sp>
+        <p:nvSpPr>
+          <p:cNvPr id="3" name="Content Placeholder 2"/>
+          <p:cNvSpPr>
+            <a:spLocks noGrp="1"/>
+          </p:cNvSpPr>
+          <p:nvPr>
+            <p:ph idx="1"/>
+          </p:nvPr>
+        </p:nvSpPr>
+        <p:spPr/>
+        <p:txBody>
+          <a:bodyPr/>
+          <a:lstStyle/>
+          <a:p>
+            <a:endParaRPr lang="en-US" dirty="0"/>
+          </a:p>
+        </p:txBody>
+      </p:sp>
+    </p:spTree>
+    <p:extLst>
+      <p:ext uri="{BB962C8B-B14F-4D97-AF65-F5344CB8AC3E}">
+        <p14:creationId xmlns:p14="http://schemas.microsoft.com/office/powerpoint/2010/main" val="3367912107"/>
+      </p:ext>
+    </p:extLst>
+  </p:cSld>
+  <p:clrMapOvr>
+    <a:masterClrMapping/>
+  </p:clrMapOvr>
+  <mc:AlternateContent xmlns:mc="http://schemas.openxmlformats.org/markup-compatibility/2006" xmlns:p14="http://schemas.microsoft.com/office/powerpoint/2010/main">
+    <mc:Choice Requires="p14">
+      <p:transition spd="med" p14:dur="700">
+        <p:fade/>
+      </p:transition>
+    </mc:Choice>
+    <mc:Fallback xmlns="">
+      <p:transition spd="med">
+        <p:fade/>
+      </p:transition>
+    </mc:Fallback>
+  </mc:AlternateContent>
+</p:sld>
+</file>
+
+<file path=ppt/slides/slide16.xml><?xml version="1.0" encoding="utf-8"?>
+<p:sld xmlns:a="http://schemas.openxmlformats.org/drawingml/2006/main" xmlns:r="http://schemas.openxmlformats.org/officeDocument/2006/relationships" xmlns:p="http://schemas.openxmlformats.org/presentationml/2006/main">
+  <p:cSld>
+    <p:spTree>
+      <p:nvGrpSpPr>
+        <p:cNvPr id="1" name=""/>
+        <p:cNvGrpSpPr/>
+        <p:nvPr/>
+      </p:nvGrpSpPr>
+      <p:grpSpPr>
+        <a:xfrm>
+          <a:off x="0" y="0"/>
+          <a:ext cx="0" cy="0"/>
+          <a:chOff x="0" y="0"/>
+          <a:chExt cx="0" cy="0"/>
+        </a:xfrm>
+      </p:grpSpPr>
+      <p:sp>
+        <p:nvSpPr>
+          <p:cNvPr id="2" name="Title 1">
+            <a:extLst>
+              <a:ext uri="{FF2B5EF4-FFF2-40B4-BE49-F238E27FC236}">
+                <a16:creationId xmlns:a16="http://schemas.microsoft.com/office/drawing/2014/main" id="{CAC0FCD6-3554-3FED-5DA8-5AE955B5B8FC}"/>
+              </a:ext>
+            </a:extLst>
+          </p:cNvPr>
+          <p:cNvSpPr>
+            <a:spLocks noGrp="1"/>
+          </p:cNvSpPr>
+          <p:nvPr>
+            <p:ph type="title"/>
+          </p:nvPr>
+        </p:nvSpPr>
+        <p:spPr/>
+        <p:txBody>
+          <a:bodyPr/>
+          <a:lstStyle/>
+          <a:p>
+            <a:pPr algn="ctr"/>
+            <a:r>
+              <a:rPr lang="en-US" dirty="0"/>
+              <a:t>THE END</a:t>
+            </a:r>
+          </a:p>
+        </p:txBody>
+      </p:sp>
+      <p:sp>
+        <p:nvSpPr>
+          <p:cNvPr id="3" name="Text Placeholder 2">
+            <a:extLst>
+              <a:ext uri="{FF2B5EF4-FFF2-40B4-BE49-F238E27FC236}">
+                <a16:creationId xmlns:a16="http://schemas.microsoft.com/office/drawing/2014/main" id="{C962A492-87D1-B402-0975-94EFDEC94567}"/>
+              </a:ext>
+            </a:extLst>
+          </p:cNvPr>
+          <p:cNvSpPr>
+            <a:spLocks noGrp="1"/>
+          </p:cNvSpPr>
+          <p:nvPr>
+            <p:ph type="body" idx="1"/>
+          </p:nvPr>
+        </p:nvSpPr>
+        <p:spPr>
+          <a:xfrm>
+            <a:off x="1454239" y="4094922"/>
+            <a:ext cx="8630446" cy="724202"/>
+          </a:xfrm>
+        </p:spPr>
+        <p:txBody>
+          <a:bodyPr/>
+          <a:lstStyle/>
+          <a:p>
+            <a:endParaRPr lang="en-US" dirty="0"/>
+          </a:p>
+        </p:txBody>
+      </p:sp>
+    </p:spTree>
+    <p:extLst>
+      <p:ext uri="{BB962C8B-B14F-4D97-AF65-F5344CB8AC3E}">
+        <p14:creationId xmlns:p14="http://schemas.microsoft.com/office/powerpoint/2010/main" val="791958517"/>
+      </p:ext>
+    </p:extLst>
+  </p:cSld>
+  <p:clrMapOvr>
+    <a:masterClrMapping/>
+  </p:clrMapOvr>
+  <mc:AlternateContent xmlns:mc="http://schemas.openxmlformats.org/markup-compatibility/2006" xmlns:p14="http://schemas.microsoft.com/office/powerpoint/2010/main">
+    <mc:Choice Requires="p14">
+      <p:transition spd="med" p14:dur="700">
+        <p:fade/>
+      </p:transition>
+    </mc:Choice>
+    <mc:Fallback xmlns="">
+      <p:transition spd="med">
+        <p:fade/>
+      </p:transition>
+    </mc:Fallback>
+  </mc:AlternateContent>
+</p:sld>
+</file>
+
+<file path=ppt/slides/slide2.xml><?xml version="1.0" encoding="utf-8"?>
+<p:sld xmlns:a="http://schemas.openxmlformats.org/drawingml/2006/main" xmlns:r="http://schemas.openxmlformats.org/officeDocument/2006/relationships" xmlns:p="http://schemas.openxmlformats.org/presentationml/2006/main">
+  <p:cSld>
+    <p:spTree>
+      <p:nvGrpSpPr>
+        <p:cNvPr id="1" name=""/>
+        <p:cNvGrpSpPr/>
+        <p:nvPr/>
+      </p:nvGrpSpPr>
+      <p:grpSpPr>
+        <a:xfrm>
+          <a:off x="0" y="0"/>
+          <a:ext cx="0" cy="0"/>
+          <a:chOff x="0" y="0"/>
+          <a:chExt cx="0" cy="0"/>
+        </a:xfrm>
+      </p:grpSpPr>
+      <p:sp>
+        <p:nvSpPr>
+          <p:cNvPr id="2" name="Title 1">
+            <a:extLst>
+              <a:ext uri="{FF2B5EF4-FFF2-40B4-BE49-F238E27FC236}">
+                <a16:creationId xmlns:a16="http://schemas.microsoft.com/office/drawing/2014/main" id="{3566F06C-DA13-97F5-B40B-9841E9EC17C8}"/>
+              </a:ext>
+            </a:extLst>
+          </p:cNvPr>
+          <p:cNvSpPr>
+            <a:spLocks noGrp="1"/>
+          </p:cNvSpPr>
+          <p:nvPr>
+            <p:ph type="title"/>
+          </p:nvPr>
+        </p:nvSpPr>
+        <p:spPr/>
+        <p:txBody>
+          <a:bodyPr>
+            <a:normAutofit/>
+          </a:bodyPr>
+          <a:lstStyle/>
+          <a:p>
+            <a:pPr algn="ctr"/>
+            <a:r>
+              <a:rPr lang="en-US" b="1" dirty="0"/>
+              <a:t>INTRODUCTION</a:t>
+            </a:r>
+          </a:p>
+        </p:txBody>
+      </p:sp>
+      <p:sp>
+        <p:nvSpPr>
+          <p:cNvPr id="3" name="Content Placeholder 2">
+            <a:extLst>
+              <a:ext uri="{FF2B5EF4-FFF2-40B4-BE49-F238E27FC236}">
+                <a16:creationId xmlns:a16="http://schemas.microsoft.com/office/drawing/2014/main" id="{0D6C232A-530C-AB20-5375-7448658FE1FD}"/>
+              </a:ext>
+            </a:extLst>
+          </p:cNvPr>
+          <p:cNvSpPr>
+            <a:spLocks noGrp="1"/>
+          </p:cNvSpPr>
+          <p:nvPr>
+            <p:ph idx="1"/>
+          </p:nvPr>
+        </p:nvSpPr>
+        <p:spPr/>
+        <p:txBody>
+          <a:bodyPr>
+            <a:normAutofit/>
+          </a:bodyPr>
+          <a:lstStyle/>
+          <a:p>
+            <a:r>
+              <a:rPr lang="en-US" sz="2500" dirty="0"/>
+              <a:t>Predict concrete strength using PyTorch.</a:t>
+            </a:r>
+          </a:p>
+          <a:p>
+            <a:r>
+              <a:rPr lang="en-US" sz="2500" dirty="0"/>
+              <a:t>Consider cement type, water content, admixture,</a:t>
+            </a:r>
+          </a:p>
+          <a:p>
+            <a:pPr marL="0" indent="0">
+              <a:buNone/>
+            </a:pPr>
+            <a:r>
+              <a:rPr lang="en-US" sz="2500" dirty="0"/>
+              <a:t>    curing time, and aggregates.</a:t>
+            </a:r>
+          </a:p>
+          <a:p>
+            <a:r>
+              <a:rPr lang="en-US" sz="2500" b="0" i="0" dirty="0">
+                <a:solidFill>
+                  <a:srgbClr val="111111"/>
+                </a:solidFill>
+                <a:effectLst/>
+                <a:latin typeface="-apple-system"/>
+              </a:rPr>
+              <a:t>Model tested on 20% data and extra lab samples.</a:t>
+            </a:r>
+          </a:p>
+          <a:p>
+            <a:r>
+              <a:rPr lang="en-US" sz="2500" dirty="0"/>
+              <a:t>Aim is to enhance civil engineering practices.</a:t>
+            </a:r>
+          </a:p>
+        </p:txBody>
+      </p:sp>
+      <p:pic>
+        <p:nvPicPr>
+          <p:cNvPr id="4" name="Picture 3">
+            <a:extLst>
+              <a:ext uri="{FF2B5EF4-FFF2-40B4-BE49-F238E27FC236}">
+                <a16:creationId xmlns:a16="http://schemas.microsoft.com/office/drawing/2014/main" id="{A4E2A499-E459-9BCC-3516-7A73D707C368}"/>
+              </a:ext>
+            </a:extLst>
+          </p:cNvPr>
+          <p:cNvPicPr>
+            <a:picLocks noChangeAspect="1"/>
+          </p:cNvPicPr>
+          <p:nvPr/>
+        </p:nvPicPr>
+        <p:blipFill rotWithShape="1">
+          <a:blip r:embed="rId2"/>
+          <a:srcRect l="16336" r="22355"/>
+          <a:stretch/>
+        </p:blipFill>
+        <p:spPr>
+          <a:xfrm>
+            <a:off x="9377569" y="2015732"/>
+            <a:ext cx="2435087" cy="3076443"/>
+          </a:xfrm>
+          <a:prstGeom prst="rect">
+            <a:avLst/>
+          </a:prstGeom>
+        </p:spPr>
+      </p:pic>
+      <p:sp>
+        <p:nvSpPr>
+          <p:cNvPr id="5" name="TextBox 4">
+            <a:extLst>
+              <a:ext uri="{FF2B5EF4-FFF2-40B4-BE49-F238E27FC236}">
+                <a16:creationId xmlns:a16="http://schemas.microsoft.com/office/drawing/2014/main" id="{54C0EF6B-B224-5029-2D17-6DB619EEF6AE}"/>
+              </a:ext>
+            </a:extLst>
+          </p:cNvPr>
+          <p:cNvSpPr txBox="1"/>
+          <p:nvPr/>
+        </p:nvSpPr>
+        <p:spPr>
+          <a:xfrm>
+            <a:off x="9329064" y="5092175"/>
+            <a:ext cx="2822713" cy="507831"/>
+          </a:xfrm>
+          <a:prstGeom prst="rect">
+            <a:avLst/>
+          </a:prstGeom>
+          <a:noFill/>
+        </p:spPr>
+        <p:txBody>
+          <a:bodyPr wrap="square" rtlCol="0">
+            <a:spAutoFit/>
+          </a:bodyPr>
+          <a:lstStyle/>
+          <a:p>
+            <a:pPr algn="ctr"/>
+            <a:r>
+              <a:rPr lang="en-US" sz="2700" dirty="0"/>
+              <a:t>Split Tensile Testing</a:t>
+            </a:r>
+          </a:p>
+        </p:txBody>
+      </p:sp>
+    </p:spTree>
+    <p:extLst>
+      <p:ext uri="{BB962C8B-B14F-4D97-AF65-F5344CB8AC3E}">
+        <p14:creationId xmlns:p14="http://schemas.microsoft.com/office/powerpoint/2010/main" val="4041488489"/>
+      </p:ext>
+    </p:extLst>
+  </p:cSld>
+  <p:clrMapOvr>
+    <a:masterClrMapping/>
+  </p:clrMapOvr>
+  <mc:AlternateContent xmlns:mc="http://schemas.openxmlformats.org/markup-compatibility/2006" xmlns:p14="http://schemas.microsoft.com/office/powerpoint/2010/main">
+    <mc:Choice Requires="p14">
+      <p:transition spd="med" p14:dur="700">
+        <p:fade/>
+      </p:transition>
+    </mc:Choice>
+    <mc:Fallback xmlns="">
+      <p:transition spd="med">
+        <p:fade/>
+      </p:transition>
+    </mc:Fallback>
+  </mc:AlternateContent>
+</p:sld>
+</file>
+
+<file path=ppt/slides/slide3.xml><?xml version="1.0" encoding="utf-8"?>
+<p:sld xmlns:a="http://schemas.openxmlformats.org/drawingml/2006/main" xmlns:r="http://schemas.openxmlformats.org/officeDocument/2006/relationships" xmlns:p="http://schemas.openxmlformats.org/presentationml/2006/main">
+  <p:cSld>
+    <p:spTree>
+      <p:nvGrpSpPr>
+        <p:cNvPr id="1" name=""/>
+        <p:cNvGrpSpPr/>
+        <p:nvPr/>
+      </p:nvGrpSpPr>
+      <p:grpSpPr>
+        <a:xfrm>
+          <a:off x="0" y="0"/>
+          <a:ext cx="0" cy="0"/>
+          <a:chOff x="0" y="0"/>
+          <a:chExt cx="0" cy="0"/>
+        </a:xfrm>
+      </p:grpSpPr>
+      <p:sp>
+        <p:nvSpPr>
+          <p:cNvPr id="2" name="Title 1">
+            <a:extLst>
+              <a:ext uri="{FF2B5EF4-FFF2-40B4-BE49-F238E27FC236}">
+                <a16:creationId xmlns:a16="http://schemas.microsoft.com/office/drawing/2014/main" id="{9290613C-F1A0-9792-62BA-A0D11638B1EA}"/>
+              </a:ext>
+            </a:extLst>
+          </p:cNvPr>
+          <p:cNvSpPr>
+            <a:spLocks noGrp="1"/>
+          </p:cNvSpPr>
+          <p:nvPr>
+            <p:ph type="title"/>
+          </p:nvPr>
+        </p:nvSpPr>
+        <p:spPr/>
+        <p:txBody>
+          <a:bodyPr/>
+          <a:lstStyle/>
+          <a:p>
+            <a:pPr algn="ctr"/>
+            <a:r>
+              <a:rPr lang="en-US" dirty="0"/>
+              <a:t>PROBLEM STATEMENT</a:t>
+            </a:r>
+          </a:p>
+        </p:txBody>
+      </p:sp>
+      <p:sp>
+        <p:nvSpPr>
+          <p:cNvPr id="3" name="Content Placeholder 2">
+            <a:extLst>
+              <a:ext uri="{FF2B5EF4-FFF2-40B4-BE49-F238E27FC236}">
+                <a16:creationId xmlns:a16="http://schemas.microsoft.com/office/drawing/2014/main" id="{28D868A3-D2CD-887B-4C8D-EFF76C1C9E7A}"/>
+              </a:ext>
+            </a:extLst>
+          </p:cNvPr>
+          <p:cNvSpPr>
+            <a:spLocks noGrp="1"/>
+          </p:cNvSpPr>
+          <p:nvPr>
+            <p:ph idx="1"/>
+          </p:nvPr>
+        </p:nvSpPr>
+        <p:spPr>
+          <a:xfrm>
+            <a:off x="745435" y="2120235"/>
+            <a:ext cx="11001751" cy="3450613"/>
+          </a:xfrm>
+        </p:spPr>
+        <p:txBody>
+          <a:bodyPr>
+            <a:normAutofit fontScale="32500" lnSpcReduction="20000"/>
+          </a:bodyPr>
+          <a:lstStyle/>
+          <a:p>
+            <a:pPr marL="0" indent="0">
+              <a:buNone/>
+            </a:pPr>
+            <a:r>
+              <a:rPr lang="en-US" sz="7400" dirty="0"/>
+              <a:t>This project proposes a Python-based neural network model to predict concrete's tensile strength, aiming to enhance efficiency and accuracy in civil engineering practices.</a:t>
+            </a:r>
+          </a:p>
+          <a:p>
+            <a:pPr marL="0" indent="0">
+              <a:buNone/>
+            </a:pPr>
+            <a:endParaRPr lang="en-US" sz="7400" dirty="0"/>
+          </a:p>
+          <a:p>
+            <a:pPr marL="0" indent="0" algn="ctr">
+              <a:buNone/>
+            </a:pPr>
+            <a:r>
+              <a:rPr lang="en-US" sz="7400" u="sng" dirty="0"/>
+              <a:t>GENERAL OBJECTIVE</a:t>
+            </a:r>
+          </a:p>
+          <a:p>
+            <a:pPr marL="0" indent="0" algn="ctr">
+              <a:buNone/>
+            </a:pPr>
+            <a:r>
+              <a:rPr lang="en-US" sz="7400" dirty="0"/>
+              <a:t>Develop a Python-based neural network model using </a:t>
+            </a:r>
+            <a:r>
+              <a:rPr lang="en-US" sz="7400" dirty="0" err="1"/>
+              <a:t>PyTorch</a:t>
+            </a:r>
+            <a:r>
+              <a:rPr lang="en-US" sz="7400" dirty="0"/>
+              <a:t> to accurately predict concrete tensile strength in civil engineering application.</a:t>
+            </a:r>
+          </a:p>
+        </p:txBody>
+      </p:sp>
+    </p:spTree>
+    <p:extLst>
+      <p:ext uri="{BB962C8B-B14F-4D97-AF65-F5344CB8AC3E}">
+        <p14:creationId xmlns:p14="http://schemas.microsoft.com/office/powerpoint/2010/main" val="3115082677"/>
+      </p:ext>
+    </p:extLst>
+  </p:cSld>
+  <p:clrMapOvr>
+    <a:masterClrMapping/>
+  </p:clrMapOvr>
+  <mc:AlternateContent xmlns:mc="http://schemas.openxmlformats.org/markup-compatibility/2006" xmlns:p14="http://schemas.microsoft.com/office/powerpoint/2010/main">
+    <mc:Choice Requires="p14">
+      <p:transition spd="med" p14:dur="700">
+        <p:fade/>
+      </p:transition>
+    </mc:Choice>
+    <mc:Fallback xmlns="">
+      <p:transition spd="med">
+        <p:fade/>
+      </p:transition>
+    </mc:Fallback>
+  </mc:AlternateContent>
+</p:sld>
+</file>
+
+<file path=ppt/slides/slide4.xml><?xml version="1.0" encoding="utf-8"?>
+<p:sld xmlns:a="http://schemas.openxmlformats.org/drawingml/2006/main" xmlns:r="http://schemas.openxmlformats.org/officeDocument/2006/relationships" xmlns:p="http://schemas.openxmlformats.org/presentationml/2006/main">
+  <p:cSld>
+    <p:spTree>
+      <p:nvGrpSpPr>
+        <p:cNvPr id="1" name=""/>
+        <p:cNvGrpSpPr/>
+        <p:nvPr/>
+      </p:nvGrpSpPr>
+      <p:grpSpPr>
+        <a:xfrm>
+          <a:off x="0" y="0"/>
+          <a:ext cx="0" cy="0"/>
+          <a:chOff x="0" y="0"/>
+          <a:chExt cx="0" cy="0"/>
+        </a:xfrm>
+      </p:grpSpPr>
+      <p:sp>
+        <p:nvSpPr>
+          <p:cNvPr id="2" name="Title 1"/>
+          <p:cNvSpPr>
+            <a:spLocks noGrp="1"/>
+          </p:cNvSpPr>
+          <p:nvPr>
+            <p:ph type="title"/>
+          </p:nvPr>
+        </p:nvSpPr>
+        <p:spPr/>
+        <p:txBody>
+          <a:bodyPr/>
+          <a:lstStyle/>
+          <a:p>
+            <a:pPr marL="0" indent="0"/>
+            <a:r>
+              <a:rPr lang="en-US" u="sng" dirty="0"/>
+              <a:t>SPECIFIC OBJECTIVES</a:t>
+            </a:r>
+          </a:p>
+        </p:txBody>
+      </p:sp>
+      <p:sp>
+        <p:nvSpPr>
+          <p:cNvPr id="3" name="Content Placeholder 2"/>
+          <p:cNvSpPr>
+            <a:spLocks noGrp="1"/>
+          </p:cNvSpPr>
+          <p:nvPr>
+            <p:ph idx="1"/>
+          </p:nvPr>
+        </p:nvSpPr>
+        <p:spPr/>
+        <p:txBody>
+          <a:bodyPr/>
+          <a:lstStyle/>
+          <a:p>
+            <a:r>
+              <a:rPr lang="en-US" dirty="0"/>
+              <a:t> Consolidate essential parameters including cement type, curing duration, aggregate size, water content, and types of admixtures</a:t>
+            </a:r>
+          </a:p>
+          <a:p>
+            <a:r>
+              <a:rPr lang="en-US" dirty="0"/>
+              <a:t>Construct and train a </a:t>
+            </a:r>
+            <a:r>
+              <a:rPr lang="en-US" dirty="0" err="1"/>
+              <a:t>PyTorch</a:t>
+            </a:r>
+            <a:r>
+              <a:rPr lang="en-US" dirty="0"/>
+              <a:t> neural network model specifically tailored to predict concrete tensile strength</a:t>
+            </a:r>
+          </a:p>
+          <a:p>
+            <a:r>
+              <a:rPr lang="en-US" dirty="0"/>
+              <a:t>Test the model with 20% data and three lab datasets, compare outputs with lab results, and refine accuracy by adjusting nodes, layers, weights, and biases</a:t>
+            </a:r>
+          </a:p>
+          <a:p>
+            <a:pPr marL="0" indent="0">
+              <a:buNone/>
+            </a:pPr>
+            <a:endParaRPr lang="en-US" dirty="0"/>
+          </a:p>
+        </p:txBody>
+      </p:sp>
+    </p:spTree>
+    <p:extLst>
+      <p:ext uri="{BB962C8B-B14F-4D97-AF65-F5344CB8AC3E}">
+        <p14:creationId xmlns:p14="http://schemas.microsoft.com/office/powerpoint/2010/main" val="4195742496"/>
+      </p:ext>
+    </p:extLst>
+  </p:cSld>
+  <p:clrMapOvr>
+    <a:masterClrMapping/>
+  </p:clrMapOvr>
+  <mc:AlternateContent xmlns:mc="http://schemas.openxmlformats.org/markup-compatibility/2006" xmlns:p14="http://schemas.microsoft.com/office/powerpoint/2010/main">
+    <mc:Choice Requires="p14">
+      <p:transition spd="med" p14:dur="700">
+        <p:fade/>
+      </p:transition>
+    </mc:Choice>
+    <mc:Fallback xmlns="">
+      <p:transition spd="med">
+        <p:fade/>
+      </p:transition>
+    </mc:Fallback>
+  </mc:AlternateContent>
+</p:sld>
+</file>
+
+<file path=ppt/slides/slide5.xml><?xml version="1.0" encoding="utf-8"?>
+<p:sld xmlns:a="http://schemas.openxmlformats.org/drawingml/2006/main" xmlns:r="http://schemas.openxmlformats.org/officeDocument/2006/relationships" xmlns:p="http://schemas.openxmlformats.org/presentationml/2006/main">
+  <p:cSld>
+    <p:spTree>
+      <p:nvGrpSpPr>
+        <p:cNvPr id="1" name=""/>
+        <p:cNvGrpSpPr/>
+        <p:nvPr/>
+      </p:nvGrpSpPr>
+      <p:grpSpPr>
+        <a:xfrm>
+          <a:off x="0" y="0"/>
+          <a:ext cx="0" cy="0"/>
+          <a:chOff x="0" y="0"/>
+          <a:chExt cx="0" cy="0"/>
+        </a:xfrm>
+      </p:grpSpPr>
+      <p:sp>
+        <p:nvSpPr>
+          <p:cNvPr id="2" name="Title 1">
+            <a:extLst>
+              <a:ext uri="{FF2B5EF4-FFF2-40B4-BE49-F238E27FC236}">
+                <a16:creationId xmlns:a16="http://schemas.microsoft.com/office/drawing/2014/main" id="{2A214DCF-9D1C-E5FA-48C9-A36BBC0DEE0D}"/>
+              </a:ext>
+            </a:extLst>
+          </p:cNvPr>
+          <p:cNvSpPr>
+            <a:spLocks noGrp="1"/>
+          </p:cNvSpPr>
+          <p:nvPr>
+            <p:ph type="title"/>
+          </p:nvPr>
+        </p:nvSpPr>
+        <p:spPr/>
+        <p:txBody>
+          <a:bodyPr/>
+          <a:lstStyle/>
+          <a:p>
+            <a:pPr algn="ctr"/>
+            <a:r>
+              <a:rPr lang="en-US" dirty="0"/>
+              <a:t>RESEARCH GAP</a:t>
+            </a:r>
+          </a:p>
+        </p:txBody>
+      </p:sp>
+      <p:sp>
+        <p:nvSpPr>
+          <p:cNvPr id="3" name="Content Placeholder 2">
+            <a:extLst>
+              <a:ext uri="{FF2B5EF4-FFF2-40B4-BE49-F238E27FC236}">
+                <a16:creationId xmlns:a16="http://schemas.microsoft.com/office/drawing/2014/main" id="{84002600-E532-5C3F-C644-0F539E8E61A5}"/>
+              </a:ext>
+            </a:extLst>
+          </p:cNvPr>
+          <p:cNvSpPr>
+            <a:spLocks noGrp="1"/>
+          </p:cNvSpPr>
+          <p:nvPr>
+            <p:ph idx="1"/>
+          </p:nvPr>
+        </p:nvSpPr>
+        <p:spPr/>
+        <p:txBody>
+          <a:bodyPr>
+            <a:normAutofit/>
+          </a:bodyPr>
+          <a:lstStyle/>
+          <a:p>
+            <a:r>
+              <a:rPr lang="en-US" sz="2800" b="1" dirty="0">
+                <a:effectLst/>
+                <a:latin typeface="Times New Roman" panose="02020603050405020304" pitchFamily="18" charset="0"/>
+                <a:ea typeface="Calibri" panose="020F0502020204030204" pitchFamily="34" charset="0"/>
+              </a:rPr>
+              <a:t>Limited Research in Kenya</a:t>
+            </a:r>
+          </a:p>
+          <a:p>
+            <a:r>
+              <a:rPr lang="en-US" sz="2800" b="1" dirty="0">
+                <a:effectLst/>
+                <a:latin typeface="Times New Roman" panose="02020603050405020304" pitchFamily="18" charset="0"/>
+                <a:ea typeface="Calibri" panose="020F0502020204030204" pitchFamily="34" charset="0"/>
+              </a:rPr>
+              <a:t>Need for More Accurate Predictions</a:t>
+            </a:r>
+            <a:endParaRPr lang="en-US" sz="2800" b="1" dirty="0">
+              <a:latin typeface="Times New Roman" panose="02020603050405020304" pitchFamily="18" charset="0"/>
+              <a:ea typeface="Calibri" panose="020F0502020204030204" pitchFamily="34" charset="0"/>
+            </a:endParaRPr>
+          </a:p>
+          <a:p>
+            <a:r>
+              <a:rPr lang="en-US" sz="2800" b="1" dirty="0">
+                <a:effectLst/>
+                <a:latin typeface="Times New Roman" panose="02020603050405020304" pitchFamily="18" charset="0"/>
+                <a:ea typeface="Calibri" panose="020F0502020204030204" pitchFamily="34" charset="0"/>
+              </a:rPr>
+              <a:t>Need for Real-World Validation</a:t>
+            </a:r>
+            <a:endParaRPr lang="en-US" sz="2800" dirty="0"/>
+          </a:p>
+        </p:txBody>
+      </p:sp>
+      <p:pic>
+        <p:nvPicPr>
+          <p:cNvPr id="4" name="Picture 3">
+            <a:extLst>
+              <a:ext uri="{FF2B5EF4-FFF2-40B4-BE49-F238E27FC236}">
+                <a16:creationId xmlns:a16="http://schemas.microsoft.com/office/drawing/2014/main" id="{69CA0BEC-E401-CA51-9818-D720E29C661E}"/>
+              </a:ext>
+            </a:extLst>
+          </p:cNvPr>
+          <p:cNvPicPr>
+            <a:picLocks noChangeAspect="1"/>
+          </p:cNvPicPr>
+          <p:nvPr/>
+        </p:nvPicPr>
+        <p:blipFill rotWithShape="1">
+          <a:blip r:embed="rId2"/>
+          <a:srcRect r="26617"/>
+          <a:stretch/>
+        </p:blipFill>
+        <p:spPr>
+          <a:xfrm>
+            <a:off x="8090451" y="2015732"/>
+            <a:ext cx="3876261" cy="3451177"/>
+          </a:xfrm>
+          <a:prstGeom prst="rect">
+            <a:avLst/>
+          </a:prstGeom>
+        </p:spPr>
+      </p:pic>
+      <p:sp>
+        <p:nvSpPr>
+          <p:cNvPr id="5" name="TextBox 4">
+            <a:extLst>
+              <a:ext uri="{FF2B5EF4-FFF2-40B4-BE49-F238E27FC236}">
+                <a16:creationId xmlns:a16="http://schemas.microsoft.com/office/drawing/2014/main" id="{CC911CE0-1501-FE5B-2DDA-A4BE76DF9847}"/>
+              </a:ext>
+            </a:extLst>
+          </p:cNvPr>
+          <p:cNvSpPr txBox="1"/>
+          <p:nvPr/>
+        </p:nvSpPr>
+        <p:spPr>
+          <a:xfrm>
+            <a:off x="8219660" y="5545650"/>
+            <a:ext cx="3548269" cy="507831"/>
+          </a:xfrm>
+          <a:prstGeom prst="rect">
+            <a:avLst/>
+          </a:prstGeom>
+          <a:noFill/>
+        </p:spPr>
+        <p:txBody>
+          <a:bodyPr wrap="square" rtlCol="0">
+            <a:spAutoFit/>
+          </a:bodyPr>
+          <a:lstStyle/>
+          <a:p>
+            <a:pPr algn="ctr"/>
+            <a:r>
+              <a:rPr lang="en-US" sz="2700" dirty="0"/>
+              <a:t>Sample Examples</a:t>
+            </a:r>
+          </a:p>
+        </p:txBody>
+      </p:sp>
+    </p:spTree>
+    <p:extLst>
+      <p:ext uri="{BB962C8B-B14F-4D97-AF65-F5344CB8AC3E}">
+        <p14:creationId xmlns:p14="http://schemas.microsoft.com/office/powerpoint/2010/main" val="870890248"/>
+      </p:ext>
+    </p:extLst>
+  </p:cSld>
+  <p:clrMapOvr>
+    <a:masterClrMapping/>
+  </p:clrMapOvr>
+  <mc:AlternateContent xmlns:mc="http://schemas.openxmlformats.org/markup-compatibility/2006" xmlns:p14="http://schemas.microsoft.com/office/powerpoint/2010/main">
+    <mc:Choice Requires="p14">
+      <p:transition spd="med" p14:dur="700">
+        <p:fade/>
+      </p:transition>
+    </mc:Choice>
+    <mc:Fallback xmlns="">
+      <p:transition spd="med">
+        <p:fade/>
+      </p:transition>
+    </mc:Fallback>
+  </mc:AlternateContent>
+</p:sld>
+</file>
+
+<file path=ppt/slides/slide6.xml><?xml version="1.0" encoding="utf-8"?>
+<p:sld xmlns:a="http://schemas.openxmlformats.org/drawingml/2006/main" xmlns:r="http://schemas.openxmlformats.org/officeDocument/2006/relationships" xmlns:p="http://schemas.openxmlformats.org/presentationml/2006/main">
+  <p:cSld>
+    <p:spTree>
+      <p:nvGrpSpPr>
+        <p:cNvPr id="1" name=""/>
+        <p:cNvGrpSpPr/>
+        <p:nvPr/>
+      </p:nvGrpSpPr>
+      <p:grpSpPr>
+        <a:xfrm>
+          <a:off x="0" y="0"/>
+          <a:ext cx="0" cy="0"/>
+          <a:chOff x="0" y="0"/>
+          <a:chExt cx="0" cy="0"/>
+        </a:xfrm>
+      </p:grpSpPr>
+      <p:sp>
+        <p:nvSpPr>
+          <p:cNvPr id="2" name="Title 1">
+            <a:extLst>
+              <a:ext uri="{FF2B5EF4-FFF2-40B4-BE49-F238E27FC236}">
+                <a16:creationId xmlns:a16="http://schemas.microsoft.com/office/drawing/2014/main" id="{98682042-42F6-E25D-0D8A-E37ADDB9586B}"/>
+              </a:ext>
+            </a:extLst>
+          </p:cNvPr>
+          <p:cNvSpPr>
+            <a:spLocks noGrp="1"/>
+          </p:cNvSpPr>
+          <p:nvPr>
+            <p:ph type="title"/>
+          </p:nvPr>
+        </p:nvSpPr>
+        <p:spPr>
+          <a:xfrm>
+            <a:off x="1451579" y="804519"/>
+            <a:ext cx="9603275" cy="865255"/>
+          </a:xfrm>
+        </p:spPr>
+        <p:txBody>
+          <a:bodyPr/>
+          <a:lstStyle/>
+          <a:p>
+            <a:pPr algn="ctr"/>
+            <a:r>
+              <a:rPr lang="en-US" dirty="0"/>
+              <a:t>METHODOLOGY</a:t>
+            </a:r>
+          </a:p>
+        </p:txBody>
+      </p:sp>
       <p:graphicFrame>
         <p:nvGraphicFramePr>
           <p:cNvPr id="4" name="Content Placeholder 3">
             <a:extLst>
               <a:ext uri="{FF2B5EF4-FFF2-40B4-BE49-F238E27FC236}">
-                <a16:creationId xmlns:a16="http://schemas.microsoft.com/office/drawing/2014/main" id="{DD698268-895B-5B27-8182-3C6506486CF7}"/>
+                <a16:creationId xmlns:a16="http://schemas.microsoft.com/office/drawing/2014/main" id="{ABE244A3-8D87-971F-60CE-015A6727FB8F}"/>
               </a:ext>
             </a:extLst>
           </p:cNvPr>
@@ -8371,11 +10309,313 @@
           </p:cNvGraphicFramePr>
           <p:nvPr>
             <p:ph idx="1"/>
+            <p:extLst>
+              <p:ext uri="{D42A27DB-BD31-4B8C-83A1-F6EECF244321}">
+                <p14:modId xmlns:p14="http://schemas.microsoft.com/office/powerpoint/2010/main" val="991691019"/>
+              </p:ext>
+            </p:extLst>
           </p:nvPr>
         </p:nvGraphicFramePr>
         <p:xfrm>
-          <a:off x="1037766" y="1998092"/>
-          <a:ext cx="10620836" cy="3399273"/>
+          <a:off x="0" y="1451113"/>
+          <a:ext cx="12192001" cy="5824330"/>
+        </p:xfrm>
+        <a:graphic>
+          <a:graphicData uri="http://schemas.openxmlformats.org/drawingml/2006/diagram">
+            <dgm:relIds xmlns:dgm="http://schemas.openxmlformats.org/drawingml/2006/diagram" xmlns:r="http://schemas.openxmlformats.org/officeDocument/2006/relationships" r:dm="rId2" r:lo="rId3" r:qs="rId4" r:cs="rId5"/>
+          </a:graphicData>
+        </a:graphic>
+      </p:graphicFrame>
+    </p:spTree>
+    <p:extLst>
+      <p:ext uri="{BB962C8B-B14F-4D97-AF65-F5344CB8AC3E}">
+        <p14:creationId xmlns:p14="http://schemas.microsoft.com/office/powerpoint/2010/main" val="817133030"/>
+      </p:ext>
+    </p:extLst>
+  </p:cSld>
+  <p:clrMapOvr>
+    <a:masterClrMapping/>
+  </p:clrMapOvr>
+  <mc:AlternateContent xmlns:mc="http://schemas.openxmlformats.org/markup-compatibility/2006" xmlns:p14="http://schemas.microsoft.com/office/powerpoint/2010/main">
+    <mc:Choice Requires="p14">
+      <p:transition spd="med" p14:dur="700">
+        <p:fade/>
+      </p:transition>
+    </mc:Choice>
+    <mc:Fallback xmlns="">
+      <p:transition spd="med">
+        <p:fade/>
+      </p:transition>
+    </mc:Fallback>
+  </mc:AlternateContent>
+</p:sld>
+</file>
+
+<file path=ppt/slides/slide7.xml><?xml version="1.0" encoding="utf-8"?>
+<p:sld xmlns:a="http://schemas.openxmlformats.org/drawingml/2006/main" xmlns:r="http://schemas.openxmlformats.org/officeDocument/2006/relationships" xmlns:p="http://schemas.openxmlformats.org/presentationml/2006/main">
+  <p:cSld>
+    <p:spTree>
+      <p:nvGrpSpPr>
+        <p:cNvPr id="1" name=""/>
+        <p:cNvGrpSpPr/>
+        <p:nvPr/>
+      </p:nvGrpSpPr>
+      <p:grpSpPr>
+        <a:xfrm>
+          <a:off x="0" y="0"/>
+          <a:ext cx="0" cy="0"/>
+          <a:chOff x="0" y="0"/>
+          <a:chExt cx="0" cy="0"/>
+        </a:xfrm>
+      </p:grpSpPr>
+      <p:sp>
+        <p:nvSpPr>
+          <p:cNvPr id="2" name="Title 1"/>
+          <p:cNvSpPr>
+            <a:spLocks noGrp="1"/>
+          </p:cNvSpPr>
+          <p:nvPr>
+            <p:ph type="title"/>
+          </p:nvPr>
+        </p:nvSpPr>
+        <p:spPr>
+          <a:xfrm>
+            <a:off x="1451579" y="804519"/>
+            <a:ext cx="9603275" cy="1073977"/>
+          </a:xfrm>
+        </p:spPr>
+        <p:txBody>
+          <a:bodyPr/>
+          <a:lstStyle/>
+          <a:p>
+            <a:pPr algn="ctr"/>
+            <a:r>
+              <a:rPr lang="en-US" dirty="0"/>
+              <a:t>METHODOLOGY</a:t>
+            </a:r>
+          </a:p>
+        </p:txBody>
+      </p:sp>
+      <p:sp>
+        <p:nvSpPr>
+          <p:cNvPr id="3" name="Content Placeholder 2"/>
+          <p:cNvSpPr>
+            <a:spLocks noGrp="1"/>
+          </p:cNvSpPr>
+          <p:nvPr>
+            <p:ph idx="1"/>
+          </p:nvPr>
+        </p:nvSpPr>
+        <p:spPr>
+          <a:xfrm>
+            <a:off x="327991" y="1878497"/>
+            <a:ext cx="11738112" cy="4263886"/>
+          </a:xfrm>
+        </p:spPr>
+        <p:txBody>
+          <a:bodyPr>
+            <a:normAutofit/>
+          </a:bodyPr>
+          <a:lstStyle/>
+          <a:p>
+            <a:pPr marL="0" lvl="0" indent="0" algn="ctr">
+              <a:buNone/>
+            </a:pPr>
+            <a:r>
+              <a:rPr lang="en-US" sz="2500" b="1" dirty="0"/>
+              <a:t>DATA COLLECTION &amp; PROCESSING</a:t>
+            </a:r>
+          </a:p>
+          <a:p>
+            <a:r>
+              <a:rPr lang="en-US" sz="2500" dirty="0"/>
+              <a:t>Prepare, cure, and test concrete samples with varying parameters, recording the features and tensile strength for each of the 27 combinations.</a:t>
+            </a:r>
+          </a:p>
+          <a:p>
+            <a:r>
+              <a:rPr lang="en-US" sz="2500" dirty="0"/>
+              <a:t>Preprocess and partition the collected data for use in a neural network model.</a:t>
+            </a:r>
+          </a:p>
+          <a:p>
+            <a:pPr lvl="0"/>
+            <a:endParaRPr lang="en-US" dirty="0"/>
+          </a:p>
+          <a:p>
+            <a:pPr lvl="0"/>
+            <a:endParaRPr lang="en-US" dirty="0"/>
+          </a:p>
+        </p:txBody>
+      </p:sp>
+      <p:pic>
+        <p:nvPicPr>
+          <p:cNvPr id="4" name="Picture 3">
+            <a:extLst>
+              <a:ext uri="{FF2B5EF4-FFF2-40B4-BE49-F238E27FC236}">
+                <a16:creationId xmlns:a16="http://schemas.microsoft.com/office/drawing/2014/main" id="{FC84425A-52EA-CD3A-14CD-629304250EF2}"/>
+              </a:ext>
+            </a:extLst>
+          </p:cNvPr>
+          <p:cNvPicPr>
+            <a:picLocks noChangeAspect="1"/>
+          </p:cNvPicPr>
+          <p:nvPr/>
+        </p:nvPicPr>
+        <p:blipFill rotWithShape="1">
+          <a:blip r:embed="rId2"/>
+          <a:srcRect l="16117" t="8985"/>
+          <a:stretch/>
+        </p:blipFill>
+        <p:spPr>
+          <a:xfrm>
+            <a:off x="3870252" y="4146698"/>
+            <a:ext cx="5240464" cy="2275367"/>
+          </a:xfrm>
+          <a:prstGeom prst="rect">
+            <a:avLst/>
+          </a:prstGeom>
+        </p:spPr>
+      </p:pic>
+    </p:spTree>
+    <p:extLst>
+      <p:ext uri="{BB962C8B-B14F-4D97-AF65-F5344CB8AC3E}">
+        <p14:creationId xmlns:p14="http://schemas.microsoft.com/office/powerpoint/2010/main" val="378531486"/>
+      </p:ext>
+    </p:extLst>
+  </p:cSld>
+  <p:clrMapOvr>
+    <a:masterClrMapping/>
+  </p:clrMapOvr>
+  <mc:AlternateContent xmlns:mc="http://schemas.openxmlformats.org/markup-compatibility/2006" xmlns:p14="http://schemas.microsoft.com/office/powerpoint/2010/main">
+    <mc:Choice Requires="p14">
+      <p:transition spd="med" p14:dur="700">
+        <p:fade/>
+      </p:transition>
+    </mc:Choice>
+    <mc:Fallback xmlns="">
+      <p:transition spd="med">
+        <p:fade/>
+      </p:transition>
+    </mc:Fallback>
+  </mc:AlternateContent>
+</p:sld>
+</file>
+
+<file path=ppt/slides/slide8.xml><?xml version="1.0" encoding="utf-8"?>
+<p:sld xmlns:a="http://schemas.openxmlformats.org/drawingml/2006/main" xmlns:r="http://schemas.openxmlformats.org/officeDocument/2006/relationships" xmlns:p="http://schemas.openxmlformats.org/presentationml/2006/main">
+  <p:cSld>
+    <p:spTree>
+      <p:nvGrpSpPr>
+        <p:cNvPr id="1" name=""/>
+        <p:cNvGrpSpPr/>
+        <p:nvPr/>
+      </p:nvGrpSpPr>
+      <p:grpSpPr>
+        <a:xfrm>
+          <a:off x="0" y="0"/>
+          <a:ext cx="0" cy="0"/>
+          <a:chOff x="0" y="0"/>
+          <a:chExt cx="0" cy="0"/>
+        </a:xfrm>
+      </p:grpSpPr>
+      <p:sp>
+        <p:nvSpPr>
+          <p:cNvPr id="2" name="Title 1">
+            <a:extLst>
+              <a:ext uri="{FF2B5EF4-FFF2-40B4-BE49-F238E27FC236}">
+                <a16:creationId xmlns:a16="http://schemas.microsoft.com/office/drawing/2014/main" id="{C05757F8-8AEA-376D-29C9-499779830F07}"/>
+              </a:ext>
+            </a:extLst>
+          </p:cNvPr>
+          <p:cNvSpPr>
+            <a:spLocks noGrp="1"/>
+          </p:cNvSpPr>
+          <p:nvPr>
+            <p:ph type="title"/>
+          </p:nvPr>
+        </p:nvSpPr>
+        <p:spPr/>
+        <p:txBody>
+          <a:bodyPr/>
+          <a:lstStyle/>
+          <a:p>
+            <a:pPr algn="ctr"/>
+            <a:r>
+              <a:rPr lang="en-US" dirty="0"/>
+              <a:t>METHODOLOGY</a:t>
+            </a:r>
+            <a:br>
+              <a:rPr lang="en-US" dirty="0"/>
+            </a:br>
+            <a:r>
+              <a:rPr lang="en-US" sz="2400" dirty="0"/>
+              <a:t>DATA COLLECTION</a:t>
+            </a:r>
+            <a:endParaRPr lang="en-US" dirty="0"/>
+          </a:p>
+        </p:txBody>
+      </p:sp>
+      <p:sp>
+        <p:nvSpPr>
+          <p:cNvPr id="3" name="TextBox 2">
+            <a:extLst>
+              <a:ext uri="{FF2B5EF4-FFF2-40B4-BE49-F238E27FC236}">
+                <a16:creationId xmlns:a16="http://schemas.microsoft.com/office/drawing/2014/main" id="{61408BE8-C880-387D-8EF9-412D93D08FF7}"/>
+              </a:ext>
+            </a:extLst>
+          </p:cNvPr>
+          <p:cNvSpPr txBox="1"/>
+          <p:nvPr/>
+        </p:nvSpPr>
+        <p:spPr>
+          <a:xfrm>
+            <a:off x="1037766" y="5555974"/>
+            <a:ext cx="10620836" cy="461665"/>
+          </a:xfrm>
+          <a:prstGeom prst="rect">
+            <a:avLst/>
+          </a:prstGeom>
+          <a:noFill/>
+        </p:spPr>
+        <p:txBody>
+          <a:bodyPr wrap="square" rtlCol="0">
+            <a:spAutoFit/>
+          </a:bodyPr>
+          <a:lstStyle/>
+          <a:p>
+            <a:pPr algn="ctr"/>
+            <a:r>
+              <a:rPr lang="en-US" sz="2400" dirty="0"/>
+              <a:t>27 LAB SAMPLES</a:t>
+            </a:r>
+          </a:p>
+        </p:txBody>
+      </p:sp>
+      <p:graphicFrame>
+        <p:nvGraphicFramePr>
+          <p:cNvPr id="7" name="Content Placeholder 3">
+            <a:extLst>
+              <a:ext uri="{FF2B5EF4-FFF2-40B4-BE49-F238E27FC236}">
+                <a16:creationId xmlns:a16="http://schemas.microsoft.com/office/drawing/2014/main" id="{9D53E944-75BF-BE9B-FB0B-9716F250E4C6}"/>
+              </a:ext>
+            </a:extLst>
+          </p:cNvPr>
+          <p:cNvGraphicFramePr>
+            <a:graphicFrameLocks noGrp="1"/>
+          </p:cNvGraphicFramePr>
+          <p:nvPr>
+            <p:ph idx="1"/>
+            <p:extLst>
+              <p:ext uri="{D42A27DB-BD31-4B8C-83A1-F6EECF244321}">
+                <p14:modId xmlns:p14="http://schemas.microsoft.com/office/powerpoint/2010/main" val="2689180365"/>
+              </p:ext>
+            </p:extLst>
+          </p:nvPr>
+        </p:nvGraphicFramePr>
+        <p:xfrm>
+          <a:off x="1311275" y="2016125"/>
+          <a:ext cx="10620836" cy="3400797"/>
         </p:xfrm>
         <a:graphic>
           <a:graphicData uri="http://schemas.openxmlformats.org/drawingml/2006/table">
@@ -8586,7 +10826,7 @@
                     <a:bodyPr/>
                     <a:lstStyle/>
                     <a:p>
-                      <a:pPr marL="0" marR="0">
+                      <a:pPr marL="0" marR="0" algn="ctr">
                         <a:lnSpc>
                           <a:spcPct val="107000"/>
                         </a:lnSpc>
@@ -8721,7 +10961,7 @@
                     <a:bodyPr/>
                     <a:lstStyle/>
                     <a:p>
-                      <a:pPr marL="0" marR="0">
+                      <a:pPr marL="0" marR="0" algn="ctr">
                         <a:lnSpc>
                           <a:spcPct val="107000"/>
                         </a:lnSpc>
@@ -8736,7 +10976,7 @@
                         <a:rPr lang="en-US" sz="2200" kern="100" dirty="0">
                           <a:effectLst/>
                         </a:rPr>
-                        <a:t>Rapid Hardening</a:t>
+                        <a:t>--</a:t>
                       </a:r>
                       <a:endParaRPr lang="en-US" sz="2200" kern="100" dirty="0">
                         <a:effectLst/>
@@ -8838,15 +11078,12 @@
                       <a:r>
                         <a:rPr lang="en-US" sz="2200" kern="100" dirty="0">
                           <a:effectLst/>
+                          <a:latin typeface="Calibri" panose="020F0502020204030204" pitchFamily="34" charset="0"/>
+                          <a:ea typeface="Calibri" panose="020F0502020204030204" pitchFamily="34" charset="0"/>
+                          <a:cs typeface="Times New Roman" panose="02020603050405020304" pitchFamily="18" charset="0"/>
                         </a:rPr>
-                        <a:t>Quick Setting</a:t>
+                        <a:t>White Cement</a:t>
                       </a:r>
-                      <a:endParaRPr lang="en-US" sz="2200" kern="100" dirty="0">
-                        <a:effectLst/>
-                        <a:latin typeface="Calibri" panose="020F0502020204030204" pitchFamily="34" charset="0"/>
-                        <a:ea typeface="Calibri" panose="020F0502020204030204" pitchFamily="34" charset="0"/>
-                        <a:cs typeface="Times New Roman" panose="02020603050405020304" pitchFamily="18" charset="0"/>
-                      </a:endParaRPr>
                     </a:p>
                   </a:txBody>
                   <a:tcPr marL="152400" marR="152400" marT="152400" marB="152400" anchor="ctr"/>
@@ -8856,7 +11093,7 @@
                     <a:bodyPr/>
                     <a:lstStyle/>
                     <a:p>
-                      <a:pPr marL="0" marR="0">
+                      <a:pPr marL="0" marR="0" algn="ctr">
                         <a:lnSpc>
                           <a:spcPct val="107000"/>
                         </a:lnSpc>
@@ -8871,7 +11108,7 @@
                         <a:rPr lang="en-US" sz="2200" kern="100" dirty="0">
                           <a:effectLst/>
                         </a:rPr>
-                        <a:t>Accelerating</a:t>
+                        <a:t>--</a:t>
                       </a:r>
                       <a:endParaRPr lang="en-US" sz="2200" kern="100" dirty="0">
                         <a:effectLst/>
@@ -8957,71 +11194,6 @@
           </a:graphicData>
         </a:graphic>
       </p:graphicFrame>
-      <p:sp>
-        <p:nvSpPr>
-          <p:cNvPr id="2" name="Title 1">
-            <a:extLst>
-              <a:ext uri="{FF2B5EF4-FFF2-40B4-BE49-F238E27FC236}">
-                <a16:creationId xmlns:a16="http://schemas.microsoft.com/office/drawing/2014/main" id="{C05757F8-8AEA-376D-29C9-499779830F07}"/>
-              </a:ext>
-            </a:extLst>
-          </p:cNvPr>
-          <p:cNvSpPr>
-            <a:spLocks noGrp="1"/>
-          </p:cNvSpPr>
-          <p:nvPr>
-            <p:ph type="title"/>
-          </p:nvPr>
-        </p:nvSpPr>
-        <p:spPr/>
-        <p:txBody>
-          <a:bodyPr/>
-          <a:lstStyle/>
-          <a:p>
-            <a:pPr algn="ctr"/>
-            <a:r>
-              <a:rPr lang="en-US" dirty="0"/>
-              <a:t>FEATURE SELECTION</a:t>
-            </a:r>
-          </a:p>
-        </p:txBody>
-      </p:sp>
-      <p:sp>
-        <p:nvSpPr>
-          <p:cNvPr id="3" name="TextBox 2">
-            <a:extLst>
-              <a:ext uri="{FF2B5EF4-FFF2-40B4-BE49-F238E27FC236}">
-                <a16:creationId xmlns:a16="http://schemas.microsoft.com/office/drawing/2014/main" id="{61408BE8-C880-387D-8EF9-412D93D08FF7}"/>
-              </a:ext>
-            </a:extLst>
-          </p:cNvPr>
-          <p:cNvSpPr txBox="1"/>
-          <p:nvPr/>
-        </p:nvSpPr>
-        <p:spPr>
-          <a:xfrm>
-            <a:off x="1037766" y="5555974"/>
-            <a:ext cx="10620836" cy="461665"/>
-          </a:xfrm>
-          <a:prstGeom prst="rect">
-            <a:avLst/>
-          </a:prstGeom>
-          <a:noFill/>
-        </p:spPr>
-        <p:txBody>
-          <a:bodyPr wrap="square" rtlCol="0">
-            <a:spAutoFit/>
-          </a:bodyPr>
-          <a:lstStyle/>
-          <a:p>
-            <a:pPr algn="ctr"/>
-            <a:r>
-              <a:rPr lang="en-US" sz="2400" dirty="0"/>
-              <a:t>81 LAB SAMPLES</a:t>
-            </a:r>
-          </a:p>
-        </p:txBody>
-      </p:sp>
     </p:spTree>
     <p:extLst>
       <p:ext uri="{BB962C8B-B14F-4D97-AF65-F5344CB8AC3E}">
@@ -9032,13 +11204,13 @@
   <p:clrMapOvr>
     <a:masterClrMapping/>
   </p:clrMapOvr>
-  <mc:AlternateContent xmlns:mc="http://schemas.openxmlformats.org/markup-compatibility/2006">
-    <mc:Choice xmlns:p14="http://schemas.microsoft.com/office/powerpoint/2010/main" Requires="p14">
+  <mc:AlternateContent xmlns:mc="http://schemas.openxmlformats.org/markup-compatibility/2006" xmlns:p14="http://schemas.microsoft.com/office/powerpoint/2010/main">
+    <mc:Choice Requires="p14">
       <p:transition spd="med" p14:dur="700">
         <p:fade/>
       </p:transition>
     </mc:Choice>
-    <mc:Fallback>
+    <mc:Fallback xmlns="">
       <p:transition spd="med">
         <p:fade/>
       </p:transition>
@@ -9047,1109 +11219,7 @@
 </p:sld>
 </file>
 
-<file path=ppt/slides/slide13.xml><?xml version="1.0" encoding="utf-8"?>
-<p:sld xmlns:a="http://schemas.openxmlformats.org/drawingml/2006/main" xmlns:r="http://schemas.openxmlformats.org/officeDocument/2006/relationships" xmlns:p="http://schemas.openxmlformats.org/presentationml/2006/main">
-  <p:cSld>
-    <p:spTree>
-      <p:nvGrpSpPr>
-        <p:cNvPr id="1" name=""/>
-        <p:cNvGrpSpPr/>
-        <p:nvPr/>
-      </p:nvGrpSpPr>
-      <p:grpSpPr>
-        <a:xfrm>
-          <a:off x="0" y="0"/>
-          <a:ext cx="0" cy="0"/>
-          <a:chOff x="0" y="0"/>
-          <a:chExt cx="0" cy="0"/>
-        </a:xfrm>
-      </p:grpSpPr>
-      <p:sp>
-        <p:nvSpPr>
-          <p:cNvPr id="2" name="Title 1"/>
-          <p:cNvSpPr>
-            <a:spLocks noGrp="1"/>
-          </p:cNvSpPr>
-          <p:nvPr>
-            <p:ph type="title"/>
-          </p:nvPr>
-        </p:nvSpPr>
-        <p:spPr/>
-        <p:txBody>
-          <a:bodyPr/>
-          <a:lstStyle/>
-          <a:p>
-            <a:pPr algn="ctr"/>
-            <a:r>
-              <a:rPr lang="en-US" dirty="0"/>
-              <a:t>Expected Outcome</a:t>
-            </a:r>
-          </a:p>
-        </p:txBody>
-      </p:sp>
-      <p:sp>
-        <p:nvSpPr>
-          <p:cNvPr id="3" name="Content Placeholder 2"/>
-          <p:cNvSpPr>
-            <a:spLocks noGrp="1"/>
-          </p:cNvSpPr>
-          <p:nvPr>
-            <p:ph idx="1"/>
-          </p:nvPr>
-        </p:nvSpPr>
-        <p:spPr/>
-        <p:txBody>
-          <a:bodyPr/>
-          <a:lstStyle/>
-          <a:p>
-            <a:r>
-              <a:rPr lang="en-US" dirty="0"/>
-              <a:t>Prepare 81 samples for testing through split testing.</a:t>
-            </a:r>
-          </a:p>
-          <a:p>
-            <a:r>
-              <a:rPr lang="en-US" dirty="0"/>
-              <a:t>Process the collected data to build the model.</a:t>
-            </a:r>
-          </a:p>
-        </p:txBody>
-      </p:sp>
-    </p:spTree>
-    <p:extLst>
-      <p:ext uri="{BB962C8B-B14F-4D97-AF65-F5344CB8AC3E}">
-        <p14:creationId xmlns:p14="http://schemas.microsoft.com/office/powerpoint/2010/main" val="3367912107"/>
-      </p:ext>
-    </p:extLst>
-  </p:cSld>
-  <p:clrMapOvr>
-    <a:masterClrMapping/>
-  </p:clrMapOvr>
-  <mc:AlternateContent xmlns:mc="http://schemas.openxmlformats.org/markup-compatibility/2006">
-    <mc:Choice xmlns:p14="http://schemas.microsoft.com/office/powerpoint/2010/main" Requires="p14">
-      <p:transition spd="med" p14:dur="700">
-        <p:fade/>
-      </p:transition>
-    </mc:Choice>
-    <mc:Fallback>
-      <p:transition spd="med">
-        <p:fade/>
-      </p:transition>
-    </mc:Fallback>
-  </mc:AlternateContent>
-</p:sld>
-</file>
-
-<file path=ppt/slides/slide14.xml><?xml version="1.0" encoding="utf-8"?>
-<p:sld xmlns:a="http://schemas.openxmlformats.org/drawingml/2006/main" xmlns:r="http://schemas.openxmlformats.org/officeDocument/2006/relationships" xmlns:p="http://schemas.openxmlformats.org/presentationml/2006/main">
-  <p:cSld>
-    <p:spTree>
-      <p:nvGrpSpPr>
-        <p:cNvPr id="1" name=""/>
-        <p:cNvGrpSpPr/>
-        <p:nvPr/>
-      </p:nvGrpSpPr>
-      <p:grpSpPr>
-        <a:xfrm>
-          <a:off x="0" y="0"/>
-          <a:ext cx="0" cy="0"/>
-          <a:chOff x="0" y="0"/>
-          <a:chExt cx="0" cy="0"/>
-        </a:xfrm>
-      </p:grpSpPr>
-      <p:sp>
-        <p:nvSpPr>
-          <p:cNvPr id="2" name="Title 1">
-            <a:extLst>
-              <a:ext uri="{FF2B5EF4-FFF2-40B4-BE49-F238E27FC236}">
-                <a16:creationId xmlns:a16="http://schemas.microsoft.com/office/drawing/2014/main" id="{CAC0FCD6-3554-3FED-5DA8-5AE955B5B8FC}"/>
-              </a:ext>
-            </a:extLst>
-          </p:cNvPr>
-          <p:cNvSpPr>
-            <a:spLocks noGrp="1"/>
-          </p:cNvSpPr>
-          <p:nvPr>
-            <p:ph type="title"/>
-          </p:nvPr>
-        </p:nvSpPr>
-        <p:spPr/>
-        <p:txBody>
-          <a:bodyPr/>
-          <a:lstStyle/>
-          <a:p>
-            <a:pPr algn="ctr"/>
-            <a:r>
-              <a:rPr lang="en-US" dirty="0"/>
-              <a:t>THE END</a:t>
-            </a:r>
-          </a:p>
-        </p:txBody>
-      </p:sp>
-      <p:sp>
-        <p:nvSpPr>
-          <p:cNvPr id="3" name="Text Placeholder 2">
-            <a:extLst>
-              <a:ext uri="{FF2B5EF4-FFF2-40B4-BE49-F238E27FC236}">
-                <a16:creationId xmlns:a16="http://schemas.microsoft.com/office/drawing/2014/main" id="{C962A492-87D1-B402-0975-94EFDEC94567}"/>
-              </a:ext>
-            </a:extLst>
-          </p:cNvPr>
-          <p:cNvSpPr>
-            <a:spLocks noGrp="1"/>
-          </p:cNvSpPr>
-          <p:nvPr>
-            <p:ph type="body" idx="1"/>
-          </p:nvPr>
-        </p:nvSpPr>
-        <p:spPr>
-          <a:xfrm>
-            <a:off x="1454239" y="4094922"/>
-            <a:ext cx="8630446" cy="724202"/>
-          </a:xfrm>
-        </p:spPr>
-        <p:txBody>
-          <a:bodyPr/>
-          <a:lstStyle/>
-          <a:p>
-            <a:endParaRPr lang="en-US" dirty="0"/>
-          </a:p>
-        </p:txBody>
-      </p:sp>
-    </p:spTree>
-    <p:extLst>
-      <p:ext uri="{BB962C8B-B14F-4D97-AF65-F5344CB8AC3E}">
-        <p14:creationId xmlns:p14="http://schemas.microsoft.com/office/powerpoint/2010/main" val="791958517"/>
-      </p:ext>
-    </p:extLst>
-  </p:cSld>
-  <p:clrMapOvr>
-    <a:masterClrMapping/>
-  </p:clrMapOvr>
-  <mc:AlternateContent xmlns:mc="http://schemas.openxmlformats.org/markup-compatibility/2006">
-    <mc:Choice xmlns:p14="http://schemas.microsoft.com/office/powerpoint/2010/main" Requires="p14">
-      <p:transition spd="med" p14:dur="700">
-        <p:fade/>
-      </p:transition>
-    </mc:Choice>
-    <mc:Fallback>
-      <p:transition spd="med">
-        <p:fade/>
-      </p:transition>
-    </mc:Fallback>
-  </mc:AlternateContent>
-</p:sld>
-</file>
-
-<file path=ppt/slides/slide2.xml><?xml version="1.0" encoding="utf-8"?>
-<p:sld xmlns:a="http://schemas.openxmlformats.org/drawingml/2006/main" xmlns:r="http://schemas.openxmlformats.org/officeDocument/2006/relationships" xmlns:p="http://schemas.openxmlformats.org/presentationml/2006/main">
-  <p:cSld>
-    <p:spTree>
-      <p:nvGrpSpPr>
-        <p:cNvPr id="1" name=""/>
-        <p:cNvGrpSpPr/>
-        <p:nvPr/>
-      </p:nvGrpSpPr>
-      <p:grpSpPr>
-        <a:xfrm>
-          <a:off x="0" y="0"/>
-          <a:ext cx="0" cy="0"/>
-          <a:chOff x="0" y="0"/>
-          <a:chExt cx="0" cy="0"/>
-        </a:xfrm>
-      </p:grpSpPr>
-      <p:sp>
-        <p:nvSpPr>
-          <p:cNvPr id="2" name="Title 1">
-            <a:extLst>
-              <a:ext uri="{FF2B5EF4-FFF2-40B4-BE49-F238E27FC236}">
-                <a16:creationId xmlns:a16="http://schemas.microsoft.com/office/drawing/2014/main" id="{3566F06C-DA13-97F5-B40B-9841E9EC17C8}"/>
-              </a:ext>
-            </a:extLst>
-          </p:cNvPr>
-          <p:cNvSpPr>
-            <a:spLocks noGrp="1"/>
-          </p:cNvSpPr>
-          <p:nvPr>
-            <p:ph type="title"/>
-          </p:nvPr>
-        </p:nvSpPr>
-        <p:spPr/>
-        <p:txBody>
-          <a:bodyPr>
-            <a:normAutofit/>
-          </a:bodyPr>
-          <a:lstStyle/>
-          <a:p>
-            <a:pPr algn="ctr"/>
-            <a:r>
-              <a:rPr lang="en-US" b="1" dirty="0"/>
-              <a:t>INTRODUCTION</a:t>
-            </a:r>
-          </a:p>
-        </p:txBody>
-      </p:sp>
-      <p:sp>
-        <p:nvSpPr>
-          <p:cNvPr id="3" name="Content Placeholder 2">
-            <a:extLst>
-              <a:ext uri="{FF2B5EF4-FFF2-40B4-BE49-F238E27FC236}">
-                <a16:creationId xmlns:a16="http://schemas.microsoft.com/office/drawing/2014/main" id="{0D6C232A-530C-AB20-5375-7448658FE1FD}"/>
-              </a:ext>
-            </a:extLst>
-          </p:cNvPr>
-          <p:cNvSpPr>
-            <a:spLocks noGrp="1"/>
-          </p:cNvSpPr>
-          <p:nvPr>
-            <p:ph idx="1"/>
-          </p:nvPr>
-        </p:nvSpPr>
-        <p:spPr/>
-        <p:txBody>
-          <a:bodyPr>
-            <a:normAutofit/>
-          </a:bodyPr>
-          <a:lstStyle/>
-          <a:p>
-            <a:r>
-              <a:rPr lang="en-US" sz="2500" dirty="0"/>
-              <a:t>Predict concrete strength using PyTorch.</a:t>
-            </a:r>
-          </a:p>
-          <a:p>
-            <a:r>
-              <a:rPr lang="en-US" sz="2500" dirty="0"/>
-              <a:t>Consider cement type, water content, admixture,</a:t>
-            </a:r>
-          </a:p>
-          <a:p>
-            <a:pPr marL="0" indent="0">
-              <a:buNone/>
-            </a:pPr>
-            <a:r>
-              <a:rPr lang="en-US" sz="2500" dirty="0"/>
-              <a:t>    curing time, and aggregates.</a:t>
-            </a:r>
-          </a:p>
-          <a:p>
-            <a:r>
-              <a:rPr lang="en-US" sz="2500" b="0" i="0" dirty="0">
-                <a:solidFill>
-                  <a:srgbClr val="111111"/>
-                </a:solidFill>
-                <a:effectLst/>
-                <a:latin typeface="-apple-system"/>
-              </a:rPr>
-              <a:t>Model tested on 20% data and extra lab samples.</a:t>
-            </a:r>
-          </a:p>
-          <a:p>
-            <a:r>
-              <a:rPr lang="en-US" sz="2500" dirty="0"/>
-              <a:t>Aim is to enhance civil engineering practices.</a:t>
-            </a:r>
-          </a:p>
-        </p:txBody>
-      </p:sp>
-      <p:pic>
-        <p:nvPicPr>
-          <p:cNvPr id="4" name="Picture 3">
-            <a:extLst>
-              <a:ext uri="{FF2B5EF4-FFF2-40B4-BE49-F238E27FC236}">
-                <a16:creationId xmlns:a16="http://schemas.microsoft.com/office/drawing/2014/main" id="{A4E2A499-E459-9BCC-3516-7A73D707C368}"/>
-              </a:ext>
-            </a:extLst>
-          </p:cNvPr>
-          <p:cNvPicPr>
-            <a:picLocks noChangeAspect="1"/>
-          </p:cNvPicPr>
-          <p:nvPr/>
-        </p:nvPicPr>
-        <p:blipFill rotWithShape="1">
-          <a:blip r:embed="rId2"/>
-          <a:srcRect l="16336" r="22355"/>
-          <a:stretch/>
-        </p:blipFill>
-        <p:spPr>
-          <a:xfrm>
-            <a:off x="9377569" y="2015732"/>
-            <a:ext cx="2435087" cy="3076443"/>
-          </a:xfrm>
-          <a:prstGeom prst="rect">
-            <a:avLst/>
-          </a:prstGeom>
-        </p:spPr>
-      </p:pic>
-      <p:sp>
-        <p:nvSpPr>
-          <p:cNvPr id="5" name="TextBox 4">
-            <a:extLst>
-              <a:ext uri="{FF2B5EF4-FFF2-40B4-BE49-F238E27FC236}">
-                <a16:creationId xmlns:a16="http://schemas.microsoft.com/office/drawing/2014/main" id="{54C0EF6B-B224-5029-2D17-6DB619EEF6AE}"/>
-              </a:ext>
-            </a:extLst>
-          </p:cNvPr>
-          <p:cNvSpPr txBox="1"/>
-          <p:nvPr/>
-        </p:nvSpPr>
-        <p:spPr>
-          <a:xfrm>
-            <a:off x="9329064" y="5092175"/>
-            <a:ext cx="2822713" cy="507831"/>
-          </a:xfrm>
-          <a:prstGeom prst="rect">
-            <a:avLst/>
-          </a:prstGeom>
-          <a:noFill/>
-        </p:spPr>
-        <p:txBody>
-          <a:bodyPr wrap="square" rtlCol="0">
-            <a:spAutoFit/>
-          </a:bodyPr>
-          <a:lstStyle/>
-          <a:p>
-            <a:pPr algn="ctr"/>
-            <a:r>
-              <a:rPr lang="en-US" sz="2700" dirty="0"/>
-              <a:t>Split Tensile Testing</a:t>
-            </a:r>
-          </a:p>
-        </p:txBody>
-      </p:sp>
-    </p:spTree>
-    <p:extLst>
-      <p:ext uri="{BB962C8B-B14F-4D97-AF65-F5344CB8AC3E}">
-        <p14:creationId xmlns:p14="http://schemas.microsoft.com/office/powerpoint/2010/main" val="4041488489"/>
-      </p:ext>
-    </p:extLst>
-  </p:cSld>
-  <p:clrMapOvr>
-    <a:masterClrMapping/>
-  </p:clrMapOvr>
-  <mc:AlternateContent xmlns:mc="http://schemas.openxmlformats.org/markup-compatibility/2006">
-    <mc:Choice xmlns:p14="http://schemas.microsoft.com/office/powerpoint/2010/main" Requires="p14">
-      <p:transition spd="med" p14:dur="700">
-        <p:fade/>
-      </p:transition>
-    </mc:Choice>
-    <mc:Fallback>
-      <p:transition spd="med">
-        <p:fade/>
-      </p:transition>
-    </mc:Fallback>
-  </mc:AlternateContent>
-</p:sld>
-</file>
-
-<file path=ppt/slides/slide3.xml><?xml version="1.0" encoding="utf-8"?>
-<p:sld xmlns:a="http://schemas.openxmlformats.org/drawingml/2006/main" xmlns:r="http://schemas.openxmlformats.org/officeDocument/2006/relationships" xmlns:p="http://schemas.openxmlformats.org/presentationml/2006/main">
-  <p:cSld>
-    <p:spTree>
-      <p:nvGrpSpPr>
-        <p:cNvPr id="1" name=""/>
-        <p:cNvGrpSpPr/>
-        <p:nvPr/>
-      </p:nvGrpSpPr>
-      <p:grpSpPr>
-        <a:xfrm>
-          <a:off x="0" y="0"/>
-          <a:ext cx="0" cy="0"/>
-          <a:chOff x="0" y="0"/>
-          <a:chExt cx="0" cy="0"/>
-        </a:xfrm>
-      </p:grpSpPr>
-      <p:sp>
-        <p:nvSpPr>
-          <p:cNvPr id="2" name="Title 1">
-            <a:extLst>
-              <a:ext uri="{FF2B5EF4-FFF2-40B4-BE49-F238E27FC236}">
-                <a16:creationId xmlns:a16="http://schemas.microsoft.com/office/drawing/2014/main" id="{9290613C-F1A0-9792-62BA-A0D11638B1EA}"/>
-              </a:ext>
-            </a:extLst>
-          </p:cNvPr>
-          <p:cNvSpPr>
-            <a:spLocks noGrp="1"/>
-          </p:cNvSpPr>
-          <p:nvPr>
-            <p:ph type="title"/>
-          </p:nvPr>
-        </p:nvSpPr>
-        <p:spPr/>
-        <p:txBody>
-          <a:bodyPr/>
-          <a:lstStyle/>
-          <a:p>
-            <a:pPr algn="ctr"/>
-            <a:r>
-              <a:rPr lang="en-US" dirty="0"/>
-              <a:t>PROBLEM STATEMENT</a:t>
-            </a:r>
-          </a:p>
-        </p:txBody>
-      </p:sp>
-      <p:sp>
-        <p:nvSpPr>
-          <p:cNvPr id="3" name="Content Placeholder 2">
-            <a:extLst>
-              <a:ext uri="{FF2B5EF4-FFF2-40B4-BE49-F238E27FC236}">
-                <a16:creationId xmlns:a16="http://schemas.microsoft.com/office/drawing/2014/main" id="{28D868A3-D2CD-887B-4C8D-EFF76C1C9E7A}"/>
-              </a:ext>
-            </a:extLst>
-          </p:cNvPr>
-          <p:cNvSpPr>
-            <a:spLocks noGrp="1"/>
-          </p:cNvSpPr>
-          <p:nvPr>
-            <p:ph idx="1"/>
-          </p:nvPr>
-        </p:nvSpPr>
-        <p:spPr>
-          <a:xfrm>
-            <a:off x="745435" y="2120235"/>
-            <a:ext cx="11001751" cy="3450613"/>
-          </a:xfrm>
-        </p:spPr>
-        <p:txBody>
-          <a:bodyPr>
-            <a:normAutofit fontScale="32500" lnSpcReduction="20000"/>
-          </a:bodyPr>
-          <a:lstStyle/>
-          <a:p>
-            <a:pPr marL="0" indent="0">
-              <a:buNone/>
-            </a:pPr>
-            <a:r>
-              <a:rPr lang="en-US" sz="7400" dirty="0"/>
-              <a:t>This project proposes a Python-based neural network model to predict concrete's tensile strength, aiming to enhance efficiency and accuracy in civil engineering practices.</a:t>
-            </a:r>
-          </a:p>
-          <a:p>
-            <a:pPr marL="0" indent="0">
-              <a:buNone/>
-            </a:pPr>
-            <a:endParaRPr lang="en-US" sz="7400" dirty="0"/>
-          </a:p>
-          <a:p>
-            <a:pPr marL="0" indent="0" algn="ctr">
-              <a:buNone/>
-            </a:pPr>
-            <a:r>
-              <a:rPr lang="en-US" sz="7400" u="sng" dirty="0"/>
-              <a:t>GENERAL OBJECTIVE</a:t>
-            </a:r>
-          </a:p>
-          <a:p>
-            <a:pPr marL="0" indent="0" algn="ctr">
-              <a:buNone/>
-            </a:pPr>
-            <a:r>
-              <a:rPr lang="en-US" sz="7400" dirty="0"/>
-              <a:t>Develop a Python-based neural network model using </a:t>
-            </a:r>
-            <a:r>
-              <a:rPr lang="en-US" sz="7400" dirty="0" err="1"/>
-              <a:t>PyTorch</a:t>
-            </a:r>
-            <a:r>
-              <a:rPr lang="en-US" sz="7400" dirty="0"/>
-              <a:t> to accurately predict concrete tensile strength in civil engineering application.</a:t>
-            </a:r>
-          </a:p>
-        </p:txBody>
-      </p:sp>
-    </p:spTree>
-    <p:extLst>
-      <p:ext uri="{BB962C8B-B14F-4D97-AF65-F5344CB8AC3E}">
-        <p14:creationId xmlns:p14="http://schemas.microsoft.com/office/powerpoint/2010/main" val="3115082677"/>
-      </p:ext>
-    </p:extLst>
-  </p:cSld>
-  <p:clrMapOvr>
-    <a:masterClrMapping/>
-  </p:clrMapOvr>
-  <mc:AlternateContent xmlns:mc="http://schemas.openxmlformats.org/markup-compatibility/2006">
-    <mc:Choice xmlns:p14="http://schemas.microsoft.com/office/powerpoint/2010/main" Requires="p14">
-      <p:transition spd="med" p14:dur="700">
-        <p:fade/>
-      </p:transition>
-    </mc:Choice>
-    <mc:Fallback>
-      <p:transition spd="med">
-        <p:fade/>
-      </p:transition>
-    </mc:Fallback>
-  </mc:AlternateContent>
-</p:sld>
-</file>
-
-<file path=ppt/slides/slide4.xml><?xml version="1.0" encoding="utf-8"?>
-<p:sld xmlns:a="http://schemas.openxmlformats.org/drawingml/2006/main" xmlns:r="http://schemas.openxmlformats.org/officeDocument/2006/relationships" xmlns:p="http://schemas.openxmlformats.org/presentationml/2006/main">
-  <p:cSld>
-    <p:spTree>
-      <p:nvGrpSpPr>
-        <p:cNvPr id="1" name=""/>
-        <p:cNvGrpSpPr/>
-        <p:nvPr/>
-      </p:nvGrpSpPr>
-      <p:grpSpPr>
-        <a:xfrm>
-          <a:off x="0" y="0"/>
-          <a:ext cx="0" cy="0"/>
-          <a:chOff x="0" y="0"/>
-          <a:chExt cx="0" cy="0"/>
-        </a:xfrm>
-      </p:grpSpPr>
-      <p:sp>
-        <p:nvSpPr>
-          <p:cNvPr id="2" name="Title 1"/>
-          <p:cNvSpPr>
-            <a:spLocks noGrp="1"/>
-          </p:cNvSpPr>
-          <p:nvPr>
-            <p:ph type="title"/>
-          </p:nvPr>
-        </p:nvSpPr>
-        <p:spPr/>
-        <p:txBody>
-          <a:bodyPr/>
-          <a:lstStyle/>
-          <a:p>
-            <a:pPr marL="0" indent="0"/>
-            <a:r>
-              <a:rPr lang="en-US" u="sng" dirty="0"/>
-              <a:t>SPECIFIC OBJECTIVES</a:t>
-            </a:r>
-          </a:p>
-        </p:txBody>
-      </p:sp>
-      <p:sp>
-        <p:nvSpPr>
-          <p:cNvPr id="3" name="Content Placeholder 2"/>
-          <p:cNvSpPr>
-            <a:spLocks noGrp="1"/>
-          </p:cNvSpPr>
-          <p:nvPr>
-            <p:ph idx="1"/>
-          </p:nvPr>
-        </p:nvSpPr>
-        <p:spPr/>
-        <p:txBody>
-          <a:bodyPr/>
-          <a:lstStyle/>
-          <a:p>
-            <a:r>
-              <a:rPr lang="en-US" dirty="0"/>
-              <a:t> Consolidate essential parameters including cement type, curing duration, aggregate size, water content, and types of admixtures</a:t>
-            </a:r>
-          </a:p>
-          <a:p>
-            <a:r>
-              <a:rPr lang="en-US" dirty="0"/>
-              <a:t>Construct and train a </a:t>
-            </a:r>
-            <a:r>
-              <a:rPr lang="en-US" dirty="0" err="1"/>
-              <a:t>PyTorch</a:t>
-            </a:r>
-            <a:r>
-              <a:rPr lang="en-US" dirty="0"/>
-              <a:t> neural network model specifically tailored to predict concrete tensile strength</a:t>
-            </a:r>
-          </a:p>
-          <a:p>
-            <a:r>
-              <a:rPr lang="en-US" dirty="0"/>
-              <a:t>Test the model with 20% data and three lab datasets, compare outputs with lab results, and refine accuracy by adjusting nodes, layers, weights, and biases</a:t>
-            </a:r>
-          </a:p>
-          <a:p>
-            <a:pPr marL="0" indent="0">
-              <a:buNone/>
-            </a:pPr>
-            <a:endParaRPr lang="en-US" dirty="0"/>
-          </a:p>
-        </p:txBody>
-      </p:sp>
-    </p:spTree>
-    <p:extLst>
-      <p:ext uri="{BB962C8B-B14F-4D97-AF65-F5344CB8AC3E}">
-        <p14:creationId xmlns:p14="http://schemas.microsoft.com/office/powerpoint/2010/main" val="4195742496"/>
-      </p:ext>
-    </p:extLst>
-  </p:cSld>
-  <p:clrMapOvr>
-    <a:masterClrMapping/>
-  </p:clrMapOvr>
-  <mc:AlternateContent xmlns:mc="http://schemas.openxmlformats.org/markup-compatibility/2006">
-    <mc:Choice xmlns:p14="http://schemas.microsoft.com/office/powerpoint/2010/main" Requires="p14">
-      <p:transition spd="med" p14:dur="700">
-        <p:fade/>
-      </p:transition>
-    </mc:Choice>
-    <mc:Fallback>
-      <p:transition spd="med">
-        <p:fade/>
-      </p:transition>
-    </mc:Fallback>
-  </mc:AlternateContent>
-</p:sld>
-</file>
-
-<file path=ppt/slides/slide5.xml><?xml version="1.0" encoding="utf-8"?>
-<p:sld xmlns:a="http://schemas.openxmlformats.org/drawingml/2006/main" xmlns:r="http://schemas.openxmlformats.org/officeDocument/2006/relationships" xmlns:p="http://schemas.openxmlformats.org/presentationml/2006/main">
-  <p:cSld>
-    <p:spTree>
-      <p:nvGrpSpPr>
-        <p:cNvPr id="1" name=""/>
-        <p:cNvGrpSpPr/>
-        <p:nvPr/>
-      </p:nvGrpSpPr>
-      <p:grpSpPr>
-        <a:xfrm>
-          <a:off x="0" y="0"/>
-          <a:ext cx="0" cy="0"/>
-          <a:chOff x="0" y="0"/>
-          <a:chExt cx="0" cy="0"/>
-        </a:xfrm>
-      </p:grpSpPr>
-      <p:sp>
-        <p:nvSpPr>
-          <p:cNvPr id="2" name="Title 1">
-            <a:extLst>
-              <a:ext uri="{FF2B5EF4-FFF2-40B4-BE49-F238E27FC236}">
-                <a16:creationId xmlns:a16="http://schemas.microsoft.com/office/drawing/2014/main" id="{2A214DCF-9D1C-E5FA-48C9-A36BBC0DEE0D}"/>
-              </a:ext>
-            </a:extLst>
-          </p:cNvPr>
-          <p:cNvSpPr>
-            <a:spLocks noGrp="1"/>
-          </p:cNvSpPr>
-          <p:nvPr>
-            <p:ph type="title"/>
-          </p:nvPr>
-        </p:nvSpPr>
-        <p:spPr/>
-        <p:txBody>
-          <a:bodyPr/>
-          <a:lstStyle/>
-          <a:p>
-            <a:pPr algn="ctr"/>
-            <a:r>
-              <a:rPr lang="en-US" dirty="0"/>
-              <a:t>RESEARCH GAP</a:t>
-            </a:r>
-          </a:p>
-        </p:txBody>
-      </p:sp>
-      <p:sp>
-        <p:nvSpPr>
-          <p:cNvPr id="3" name="Content Placeholder 2">
-            <a:extLst>
-              <a:ext uri="{FF2B5EF4-FFF2-40B4-BE49-F238E27FC236}">
-                <a16:creationId xmlns:a16="http://schemas.microsoft.com/office/drawing/2014/main" id="{84002600-E532-5C3F-C644-0F539E8E61A5}"/>
-              </a:ext>
-            </a:extLst>
-          </p:cNvPr>
-          <p:cNvSpPr>
-            <a:spLocks noGrp="1"/>
-          </p:cNvSpPr>
-          <p:nvPr>
-            <p:ph idx="1"/>
-          </p:nvPr>
-        </p:nvSpPr>
-        <p:spPr/>
-        <p:txBody>
-          <a:bodyPr>
-            <a:normAutofit/>
-          </a:bodyPr>
-          <a:lstStyle/>
-          <a:p>
-            <a:r>
-              <a:rPr lang="en-US" sz="2800" b="1" dirty="0">
-                <a:effectLst/>
-                <a:latin typeface="Times New Roman" panose="02020603050405020304" pitchFamily="18" charset="0"/>
-                <a:ea typeface="Calibri" panose="020F0502020204030204" pitchFamily="34" charset="0"/>
-              </a:rPr>
-              <a:t>Limited Research in Kenya</a:t>
-            </a:r>
-          </a:p>
-          <a:p>
-            <a:r>
-              <a:rPr lang="en-US" sz="2800" b="1" dirty="0">
-                <a:effectLst/>
-                <a:latin typeface="Times New Roman" panose="02020603050405020304" pitchFamily="18" charset="0"/>
-                <a:ea typeface="Calibri" panose="020F0502020204030204" pitchFamily="34" charset="0"/>
-              </a:rPr>
-              <a:t>Need for More Accurate Predictions</a:t>
-            </a:r>
-            <a:endParaRPr lang="en-US" sz="2800" b="1" dirty="0">
-              <a:latin typeface="Times New Roman" panose="02020603050405020304" pitchFamily="18" charset="0"/>
-              <a:ea typeface="Calibri" panose="020F0502020204030204" pitchFamily="34" charset="0"/>
-            </a:endParaRPr>
-          </a:p>
-          <a:p>
-            <a:r>
-              <a:rPr lang="en-US" sz="2800" b="1" dirty="0">
-                <a:effectLst/>
-                <a:latin typeface="Times New Roman" panose="02020603050405020304" pitchFamily="18" charset="0"/>
-                <a:ea typeface="Calibri" panose="020F0502020204030204" pitchFamily="34" charset="0"/>
-              </a:rPr>
-              <a:t>Need for Real-World Validation</a:t>
-            </a:r>
-            <a:endParaRPr lang="en-US" sz="2800" dirty="0"/>
-          </a:p>
-        </p:txBody>
-      </p:sp>
-      <p:pic>
-        <p:nvPicPr>
-          <p:cNvPr id="4" name="Picture 3">
-            <a:extLst>
-              <a:ext uri="{FF2B5EF4-FFF2-40B4-BE49-F238E27FC236}">
-                <a16:creationId xmlns:a16="http://schemas.microsoft.com/office/drawing/2014/main" id="{69CA0BEC-E401-CA51-9818-D720E29C661E}"/>
-              </a:ext>
-            </a:extLst>
-          </p:cNvPr>
-          <p:cNvPicPr>
-            <a:picLocks noChangeAspect="1"/>
-          </p:cNvPicPr>
-          <p:nvPr/>
-        </p:nvPicPr>
-        <p:blipFill rotWithShape="1">
-          <a:blip r:embed="rId2"/>
-          <a:srcRect r="26617"/>
-          <a:stretch/>
-        </p:blipFill>
-        <p:spPr>
-          <a:xfrm>
-            <a:off x="8090451" y="2015732"/>
-            <a:ext cx="3876261" cy="3451177"/>
-          </a:xfrm>
-          <a:prstGeom prst="rect">
-            <a:avLst/>
-          </a:prstGeom>
-        </p:spPr>
-      </p:pic>
-      <p:sp>
-        <p:nvSpPr>
-          <p:cNvPr id="5" name="TextBox 4">
-            <a:extLst>
-              <a:ext uri="{FF2B5EF4-FFF2-40B4-BE49-F238E27FC236}">
-                <a16:creationId xmlns:a16="http://schemas.microsoft.com/office/drawing/2014/main" id="{CC911CE0-1501-FE5B-2DDA-A4BE76DF9847}"/>
-              </a:ext>
-            </a:extLst>
-          </p:cNvPr>
-          <p:cNvSpPr txBox="1"/>
-          <p:nvPr/>
-        </p:nvSpPr>
-        <p:spPr>
-          <a:xfrm>
-            <a:off x="8219660" y="5545650"/>
-            <a:ext cx="3548269" cy="507831"/>
-          </a:xfrm>
-          <a:prstGeom prst="rect">
-            <a:avLst/>
-          </a:prstGeom>
-          <a:noFill/>
-        </p:spPr>
-        <p:txBody>
-          <a:bodyPr wrap="square" rtlCol="0">
-            <a:spAutoFit/>
-          </a:bodyPr>
-          <a:lstStyle/>
-          <a:p>
-            <a:pPr algn="ctr"/>
-            <a:r>
-              <a:rPr lang="en-US" sz="2700" dirty="0"/>
-              <a:t>Sample Examples</a:t>
-            </a:r>
-          </a:p>
-        </p:txBody>
-      </p:sp>
-    </p:spTree>
-    <p:extLst>
-      <p:ext uri="{BB962C8B-B14F-4D97-AF65-F5344CB8AC3E}">
-        <p14:creationId xmlns:p14="http://schemas.microsoft.com/office/powerpoint/2010/main" val="870890248"/>
-      </p:ext>
-    </p:extLst>
-  </p:cSld>
-  <p:clrMapOvr>
-    <a:masterClrMapping/>
-  </p:clrMapOvr>
-  <mc:AlternateContent xmlns:mc="http://schemas.openxmlformats.org/markup-compatibility/2006">
-    <mc:Choice xmlns:p14="http://schemas.microsoft.com/office/powerpoint/2010/main" Requires="p14">
-      <p:transition spd="med" p14:dur="700">
-        <p:fade/>
-      </p:transition>
-    </mc:Choice>
-    <mc:Fallback>
-      <p:transition spd="med">
-        <p:fade/>
-      </p:transition>
-    </mc:Fallback>
-  </mc:AlternateContent>
-</p:sld>
-</file>
-
-<file path=ppt/slides/slide6.xml><?xml version="1.0" encoding="utf-8"?>
-<p:sld xmlns:a="http://schemas.openxmlformats.org/drawingml/2006/main" xmlns:r="http://schemas.openxmlformats.org/officeDocument/2006/relationships" xmlns:p="http://schemas.openxmlformats.org/presentationml/2006/main">
-  <p:cSld>
-    <p:spTree>
-      <p:nvGrpSpPr>
-        <p:cNvPr id="1" name=""/>
-        <p:cNvGrpSpPr/>
-        <p:nvPr/>
-      </p:nvGrpSpPr>
-      <p:grpSpPr>
-        <a:xfrm>
-          <a:off x="0" y="0"/>
-          <a:ext cx="0" cy="0"/>
-          <a:chOff x="0" y="0"/>
-          <a:chExt cx="0" cy="0"/>
-        </a:xfrm>
-      </p:grpSpPr>
-      <p:sp>
-        <p:nvSpPr>
-          <p:cNvPr id="2" name="Title 1">
-            <a:extLst>
-              <a:ext uri="{FF2B5EF4-FFF2-40B4-BE49-F238E27FC236}">
-                <a16:creationId xmlns:a16="http://schemas.microsoft.com/office/drawing/2014/main" id="{98682042-42F6-E25D-0D8A-E37ADDB9586B}"/>
-              </a:ext>
-            </a:extLst>
-          </p:cNvPr>
-          <p:cNvSpPr>
-            <a:spLocks noGrp="1"/>
-          </p:cNvSpPr>
-          <p:nvPr>
-            <p:ph type="title"/>
-          </p:nvPr>
-        </p:nvSpPr>
-        <p:spPr>
-          <a:xfrm>
-            <a:off x="1451579" y="804519"/>
-            <a:ext cx="9603275" cy="865255"/>
-          </a:xfrm>
-        </p:spPr>
-        <p:txBody>
-          <a:bodyPr/>
-          <a:lstStyle/>
-          <a:p>
-            <a:pPr algn="ctr"/>
-            <a:r>
-              <a:rPr lang="en-US" dirty="0"/>
-              <a:t>METHODOLOGY</a:t>
-            </a:r>
-          </a:p>
-        </p:txBody>
-      </p:sp>
-      <p:graphicFrame>
-        <p:nvGraphicFramePr>
-          <p:cNvPr id="4" name="Content Placeholder 3">
-            <a:extLst>
-              <a:ext uri="{FF2B5EF4-FFF2-40B4-BE49-F238E27FC236}">
-                <a16:creationId xmlns:a16="http://schemas.microsoft.com/office/drawing/2014/main" id="{ABE244A3-8D87-971F-60CE-015A6727FB8F}"/>
-              </a:ext>
-            </a:extLst>
-          </p:cNvPr>
-          <p:cNvGraphicFramePr>
-            <a:graphicFrameLocks noGrp="1"/>
-          </p:cNvGraphicFramePr>
-          <p:nvPr>
-            <p:ph idx="1"/>
-            <p:extLst>
-              <p:ext uri="{D42A27DB-BD31-4B8C-83A1-F6EECF244321}">
-                <p14:modId xmlns:p14="http://schemas.microsoft.com/office/powerpoint/2010/main" val="991691019"/>
-              </p:ext>
-            </p:extLst>
-          </p:nvPr>
-        </p:nvGraphicFramePr>
-        <p:xfrm>
-          <a:off x="0" y="1451113"/>
-          <a:ext cx="12192001" cy="5824330"/>
-        </p:xfrm>
-        <a:graphic>
-          <a:graphicData uri="http://schemas.openxmlformats.org/drawingml/2006/diagram">
-            <dgm:relIds xmlns:dgm="http://schemas.openxmlformats.org/drawingml/2006/diagram" xmlns:r="http://schemas.openxmlformats.org/officeDocument/2006/relationships" r:dm="rId2" r:lo="rId3" r:qs="rId4" r:cs="rId5"/>
-          </a:graphicData>
-        </a:graphic>
-      </p:graphicFrame>
-    </p:spTree>
-    <p:extLst>
-      <p:ext uri="{BB962C8B-B14F-4D97-AF65-F5344CB8AC3E}">
-        <p14:creationId xmlns:p14="http://schemas.microsoft.com/office/powerpoint/2010/main" val="817133030"/>
-      </p:ext>
-    </p:extLst>
-  </p:cSld>
-  <p:clrMapOvr>
-    <a:masterClrMapping/>
-  </p:clrMapOvr>
-  <mc:AlternateContent xmlns:mc="http://schemas.openxmlformats.org/markup-compatibility/2006">
-    <mc:Choice xmlns:p14="http://schemas.microsoft.com/office/powerpoint/2010/main" Requires="p14">
-      <p:transition spd="med" p14:dur="700">
-        <p:fade/>
-      </p:transition>
-    </mc:Choice>
-    <mc:Fallback>
-      <p:transition spd="med">
-        <p:fade/>
-      </p:transition>
-    </mc:Fallback>
-  </mc:AlternateContent>
-</p:sld>
-</file>
-
-<file path=ppt/slides/slide7.xml><?xml version="1.0" encoding="utf-8"?>
-<p:sld xmlns:a="http://schemas.openxmlformats.org/drawingml/2006/main" xmlns:r="http://schemas.openxmlformats.org/officeDocument/2006/relationships" xmlns:p="http://schemas.openxmlformats.org/presentationml/2006/main">
-  <p:cSld>
-    <p:spTree>
-      <p:nvGrpSpPr>
-        <p:cNvPr id="1" name=""/>
-        <p:cNvGrpSpPr/>
-        <p:nvPr/>
-      </p:nvGrpSpPr>
-      <p:grpSpPr>
-        <a:xfrm>
-          <a:off x="0" y="0"/>
-          <a:ext cx="0" cy="0"/>
-          <a:chOff x="0" y="0"/>
-          <a:chExt cx="0" cy="0"/>
-        </a:xfrm>
-      </p:grpSpPr>
-      <p:sp>
-        <p:nvSpPr>
-          <p:cNvPr id="2" name="Title 1"/>
-          <p:cNvSpPr>
-            <a:spLocks noGrp="1"/>
-          </p:cNvSpPr>
-          <p:nvPr>
-            <p:ph type="title"/>
-          </p:nvPr>
-        </p:nvSpPr>
-        <p:spPr>
-          <a:xfrm>
-            <a:off x="1451579" y="804519"/>
-            <a:ext cx="9603275" cy="1073977"/>
-          </a:xfrm>
-        </p:spPr>
-        <p:txBody>
-          <a:bodyPr/>
-          <a:lstStyle/>
-          <a:p>
-            <a:pPr algn="ctr"/>
-            <a:r>
-              <a:rPr lang="en-US" dirty="0"/>
-              <a:t>METHODOLOGY</a:t>
-            </a:r>
-          </a:p>
-        </p:txBody>
-      </p:sp>
-      <p:sp>
-        <p:nvSpPr>
-          <p:cNvPr id="3" name="Content Placeholder 2"/>
-          <p:cNvSpPr>
-            <a:spLocks noGrp="1"/>
-          </p:cNvSpPr>
-          <p:nvPr>
-            <p:ph idx="1"/>
-          </p:nvPr>
-        </p:nvSpPr>
-        <p:spPr>
-          <a:xfrm>
-            <a:off x="327991" y="1878497"/>
-            <a:ext cx="11738112" cy="4263886"/>
-          </a:xfrm>
-        </p:spPr>
-        <p:txBody>
-          <a:bodyPr>
-            <a:normAutofit/>
-          </a:bodyPr>
-          <a:lstStyle/>
-          <a:p>
-            <a:pPr marL="0" lvl="0" indent="0" algn="ctr">
-              <a:buNone/>
-            </a:pPr>
-            <a:r>
-              <a:rPr lang="en-US" sz="2500" b="1" dirty="0"/>
-              <a:t>DATA COLLECTION &amp; PROCESSING</a:t>
-            </a:r>
-          </a:p>
-          <a:p>
-            <a:r>
-              <a:rPr lang="en-US" sz="2500" dirty="0"/>
-              <a:t>Prepare, cure, and test concrete samples with varying parameters, recording the features and tensile strength for each of the 81 combinations.</a:t>
-            </a:r>
-          </a:p>
-          <a:p>
-            <a:r>
-              <a:rPr lang="en-US" sz="2500" dirty="0"/>
-              <a:t>Preprocess and partition the collected data for use in a neural network model.</a:t>
-            </a:r>
-          </a:p>
-          <a:p>
-            <a:pPr lvl="0"/>
-            <a:endParaRPr lang="en-US" dirty="0"/>
-          </a:p>
-          <a:p>
-            <a:pPr lvl="0"/>
-            <a:endParaRPr lang="en-US" dirty="0"/>
-          </a:p>
-        </p:txBody>
-      </p:sp>
-      <p:pic>
-        <p:nvPicPr>
-          <p:cNvPr id="4" name="Picture 3">
-            <a:extLst>
-              <a:ext uri="{FF2B5EF4-FFF2-40B4-BE49-F238E27FC236}">
-                <a16:creationId xmlns:a16="http://schemas.microsoft.com/office/drawing/2014/main" id="{FC84425A-52EA-CD3A-14CD-629304250EF2}"/>
-              </a:ext>
-            </a:extLst>
-          </p:cNvPr>
-          <p:cNvPicPr>
-            <a:picLocks noChangeAspect="1"/>
-          </p:cNvPicPr>
-          <p:nvPr/>
-        </p:nvPicPr>
-        <p:blipFill rotWithShape="1">
-          <a:blip r:embed="rId2"/>
-          <a:srcRect l="16117" t="8985"/>
-          <a:stretch/>
-        </p:blipFill>
-        <p:spPr>
-          <a:xfrm>
-            <a:off x="3870252" y="4146698"/>
-            <a:ext cx="5240464" cy="2275367"/>
-          </a:xfrm>
-          <a:prstGeom prst="rect">
-            <a:avLst/>
-          </a:prstGeom>
-        </p:spPr>
-      </p:pic>
-    </p:spTree>
-    <p:extLst>
-      <p:ext uri="{BB962C8B-B14F-4D97-AF65-F5344CB8AC3E}">
-        <p14:creationId xmlns:p14="http://schemas.microsoft.com/office/powerpoint/2010/main" val="378531486"/>
-      </p:ext>
-    </p:extLst>
-  </p:cSld>
-  <p:clrMapOvr>
-    <a:masterClrMapping/>
-  </p:clrMapOvr>
-  <mc:AlternateContent xmlns:mc="http://schemas.openxmlformats.org/markup-compatibility/2006">
-    <mc:Choice xmlns:p14="http://schemas.microsoft.com/office/powerpoint/2010/main" Requires="p14">
-      <p:transition spd="med" p14:dur="700">
-        <p:fade/>
-      </p:transition>
-    </mc:Choice>
-    <mc:Fallback>
-      <p:transition spd="med">
-        <p:fade/>
-      </p:transition>
-    </mc:Fallback>
-  </mc:AlternateContent>
-</p:sld>
-</file>
-
-<file path=ppt/slides/slide8.xml><?xml version="1.0" encoding="utf-8"?>
+<file path=ppt/slides/slide9.xml><?xml version="1.0" encoding="utf-8"?>
 <p:sld xmlns:a="http://schemas.openxmlformats.org/drawingml/2006/main" xmlns:r="http://schemas.openxmlformats.org/officeDocument/2006/relationships" xmlns:p="http://schemas.openxmlformats.org/presentationml/2006/main">
   <p:cSld>
     <p:spTree>
@@ -10254,229 +11324,13 @@
   <p:clrMapOvr>
     <a:masterClrMapping/>
   </p:clrMapOvr>
-  <mc:AlternateContent xmlns:mc="http://schemas.openxmlformats.org/markup-compatibility/2006">
-    <mc:Choice xmlns:p14="http://schemas.microsoft.com/office/powerpoint/2010/main" Requires="p14">
+  <mc:AlternateContent xmlns:mc="http://schemas.openxmlformats.org/markup-compatibility/2006" xmlns:p14="http://schemas.microsoft.com/office/powerpoint/2010/main">
+    <mc:Choice Requires="p14">
       <p:transition spd="med" p14:dur="700">
         <p:fade/>
       </p:transition>
     </mc:Choice>
-    <mc:Fallback>
-      <p:transition spd="med">
-        <p:fade/>
-      </p:transition>
-    </mc:Fallback>
-  </mc:AlternateContent>
-</p:sld>
-</file>
-
-<file path=ppt/slides/slide9.xml><?xml version="1.0" encoding="utf-8"?>
-<p:sld xmlns:a="http://schemas.openxmlformats.org/drawingml/2006/main" xmlns:r="http://schemas.openxmlformats.org/officeDocument/2006/relationships" xmlns:p="http://schemas.openxmlformats.org/presentationml/2006/main">
-  <p:cSld>
-    <p:spTree>
-      <p:nvGrpSpPr>
-        <p:cNvPr id="1" name=""/>
-        <p:cNvGrpSpPr/>
-        <p:nvPr/>
-      </p:nvGrpSpPr>
-      <p:grpSpPr>
-        <a:xfrm>
-          <a:off x="0" y="0"/>
-          <a:ext cx="0" cy="0"/>
-          <a:chOff x="0" y="0"/>
-          <a:chExt cx="0" cy="0"/>
-        </a:xfrm>
-      </p:grpSpPr>
-      <p:sp>
-        <p:nvSpPr>
-          <p:cNvPr id="2" name="Title 1">
-            <a:extLst>
-              <a:ext uri="{FF2B5EF4-FFF2-40B4-BE49-F238E27FC236}">
-                <a16:creationId xmlns:a16="http://schemas.microsoft.com/office/drawing/2014/main" id="{6A4F1DD6-AD24-8E4A-794A-EADF0AC1739F}"/>
-              </a:ext>
-            </a:extLst>
-          </p:cNvPr>
-          <p:cNvSpPr>
-            <a:spLocks noGrp="1"/>
-          </p:cNvSpPr>
-          <p:nvPr>
-            <p:ph type="title"/>
-          </p:nvPr>
-        </p:nvSpPr>
-        <p:spPr/>
-        <p:txBody>
-          <a:bodyPr/>
-          <a:lstStyle/>
-          <a:p>
-            <a:pPr algn="ctr"/>
-            <a:r>
-              <a:rPr lang="en-US" dirty="0"/>
-              <a:t>METHODOLOGY</a:t>
-            </a:r>
-          </a:p>
-        </p:txBody>
-      </p:sp>
-      <p:sp>
-        <p:nvSpPr>
-          <p:cNvPr id="3" name="Content Placeholder 2">
-            <a:extLst>
-              <a:ext uri="{FF2B5EF4-FFF2-40B4-BE49-F238E27FC236}">
-                <a16:creationId xmlns:a16="http://schemas.microsoft.com/office/drawing/2014/main" id="{A8E94B92-324B-9AB5-3AA3-7AF8C2E04C8A}"/>
-              </a:ext>
-            </a:extLst>
-          </p:cNvPr>
-          <p:cNvSpPr>
-            <a:spLocks noGrp="1"/>
-          </p:cNvSpPr>
-          <p:nvPr>
-            <p:ph idx="1"/>
-          </p:nvPr>
-        </p:nvSpPr>
-        <p:spPr>
-          <a:xfrm>
-            <a:off x="1451579" y="2015732"/>
-            <a:ext cx="9603275" cy="4146529"/>
-          </a:xfrm>
-        </p:spPr>
-        <p:txBody>
-          <a:bodyPr>
-            <a:normAutofit/>
-          </a:bodyPr>
-          <a:lstStyle/>
-          <a:p>
-            <a:pPr marL="0" indent="0" algn="ctr">
-              <a:buNone/>
-            </a:pPr>
-            <a:r>
-              <a:rPr lang="en-US" sz="2500" b="1" dirty="0"/>
-              <a:t>MODEL DEVELOPMENT (TENSILE PREDICTOR)</a:t>
-            </a:r>
-          </a:p>
-          <a:p>
-            <a:r>
-              <a:rPr lang="en-US" sz="2500" dirty="0"/>
-              <a:t>Creating a PyTorch model to estimate concrete's tensile strength.</a:t>
-            </a:r>
-          </a:p>
-          <a:p>
-            <a:r>
-              <a:rPr lang="en-US" sz="2500" dirty="0"/>
-              <a:t>Adjusting the model’s layers and nodes for accurate predictions.</a:t>
-            </a:r>
-          </a:p>
-          <a:p>
-            <a:pPr marL="0" indent="0">
-              <a:buNone/>
-            </a:pPr>
-            <a:endParaRPr lang="en-US" sz="2500" dirty="0"/>
-          </a:p>
-        </p:txBody>
-      </p:sp>
-      <p:sp>
-        <p:nvSpPr>
-          <p:cNvPr id="4" name="AutoShape 2">
-            <a:extLst>
-              <a:ext uri="{FF2B5EF4-FFF2-40B4-BE49-F238E27FC236}">
-                <a16:creationId xmlns:a16="http://schemas.microsoft.com/office/drawing/2014/main" id="{139895EA-6DEF-A6DE-073B-716E87B896D0}"/>
-              </a:ext>
-            </a:extLst>
-          </p:cNvPr>
-          <p:cNvSpPr>
-            <a:spLocks noChangeAspect="1" noChangeArrowheads="1"/>
-          </p:cNvSpPr>
-          <p:nvPr/>
-        </p:nvSpPr>
-        <p:spPr bwMode="auto">
-          <a:xfrm>
-            <a:off x="5943600" y="3276600"/>
-            <a:ext cx="304800" cy="304800"/>
-          </a:xfrm>
-          <a:prstGeom prst="rect">
-            <a:avLst/>
-          </a:prstGeom>
-          <a:noFill/>
-          <a:extLst>
-            <a:ext uri="{909E8E84-426E-40DD-AFC4-6F175D3DCCD1}">
-              <a14:hiddenFill xmlns:a14="http://schemas.microsoft.com/office/drawing/2010/main">
-                <a:solidFill>
-                  <a:srgbClr val="FFFFFF"/>
-                </a:solidFill>
-              </a14:hiddenFill>
-            </a:ext>
-          </a:extLst>
-        </p:spPr>
-        <p:txBody>
-          <a:bodyPr vert="horz" wrap="square" lIns="91440" tIns="45720" rIns="91440" bIns="45720" numCol="1" anchor="t" anchorCtr="0" compatLnSpc="1">
-            <a:prstTxWarp prst="textNoShape">
-              <a:avLst/>
-            </a:prstTxWarp>
-          </a:bodyPr>
-          <a:lstStyle/>
-          <a:p>
-            <a:endParaRPr lang="en-US"/>
-          </a:p>
-        </p:txBody>
-      </p:sp>
-      <p:pic>
-        <p:nvPicPr>
-          <p:cNvPr id="5" name="Picture 4">
-            <a:extLst>
-              <a:ext uri="{FF2B5EF4-FFF2-40B4-BE49-F238E27FC236}">
-                <a16:creationId xmlns:a16="http://schemas.microsoft.com/office/drawing/2014/main" id="{3E49522C-4985-340D-FB45-89613B3C0D2C}"/>
-              </a:ext>
-            </a:extLst>
-          </p:cNvPr>
-          <p:cNvPicPr>
-            <a:picLocks noChangeAspect="1"/>
-          </p:cNvPicPr>
-          <p:nvPr/>
-        </p:nvPicPr>
-        <p:blipFill>
-          <a:blip r:embed="rId3">
-            <a:alphaModFix amt="73000"/>
-            <a:extLst>
-              <a:ext uri="{BEBA8EAE-BF5A-486C-A8C5-ECC9F3942E4B}">
-                <a14:imgProps xmlns:a14="http://schemas.microsoft.com/office/drawing/2010/main">
-                  <a14:imgLayer r:embed="rId4">
-                    <a14:imgEffect>
-                      <a14:saturation sat="131000"/>
-                    </a14:imgEffect>
-                  </a14:imgLayer>
-                </a14:imgProps>
-              </a:ext>
-            </a:extLst>
-          </a:blip>
-          <a:stretch>
-            <a:fillRect/>
-          </a:stretch>
-        </p:blipFill>
-        <p:spPr>
-          <a:xfrm>
-            <a:off x="2828259" y="3756930"/>
-            <a:ext cx="7272671" cy="2881376"/>
-          </a:xfrm>
-          <a:prstGeom prst="rect">
-            <a:avLst/>
-          </a:prstGeom>
-          <a:noFill/>
-        </p:spPr>
-      </p:pic>
-    </p:spTree>
-    <p:extLst>
-      <p:ext uri="{BB962C8B-B14F-4D97-AF65-F5344CB8AC3E}">
-        <p14:creationId xmlns:p14="http://schemas.microsoft.com/office/powerpoint/2010/main" val="3358362940"/>
-      </p:ext>
-    </p:extLst>
-  </p:cSld>
-  <p:clrMapOvr>
-    <a:masterClrMapping/>
-  </p:clrMapOvr>
-  <mc:AlternateContent xmlns:mc="http://schemas.openxmlformats.org/markup-compatibility/2006">
-    <mc:Choice xmlns:p14="http://schemas.microsoft.com/office/powerpoint/2010/main" Requires="p14">
-      <p:transition spd="med" p14:dur="700">
-        <p:fade/>
-      </p:transition>
-    </mc:Choice>
-    <mc:Fallback>
+    <mc:Fallback xmlns="">
       <p:transition spd="med">
         <p:fade/>
       </p:transition>
